--- a/LABs/lab2/Lab2_introduction.pptx
+++ b/LABs/lab2/Lab2_introduction.pptx
@@ -9,21 +9,21 @@
   </p:notesMasterIdLst>
   <p:sldIdLst>
     <p:sldId id="298" r:id="rId2"/>
-    <p:sldId id="294" r:id="rId3"/>
-    <p:sldId id="286" r:id="rId4"/>
-    <p:sldId id="287" r:id="rId5"/>
-    <p:sldId id="263" r:id="rId6"/>
-    <p:sldId id="265" r:id="rId7"/>
-    <p:sldId id="302" r:id="rId8"/>
-    <p:sldId id="300" r:id="rId9"/>
-    <p:sldId id="264" r:id="rId10"/>
-    <p:sldId id="284" r:id="rId11"/>
-    <p:sldId id="305" r:id="rId12"/>
-    <p:sldId id="266" r:id="rId13"/>
-    <p:sldId id="304" r:id="rId14"/>
-    <p:sldId id="289" r:id="rId15"/>
-    <p:sldId id="296" r:id="rId16"/>
-    <p:sldId id="295" r:id="rId17"/>
+    <p:sldId id="286" r:id="rId3"/>
+    <p:sldId id="287" r:id="rId4"/>
+    <p:sldId id="263" r:id="rId5"/>
+    <p:sldId id="265" r:id="rId6"/>
+    <p:sldId id="302" r:id="rId7"/>
+    <p:sldId id="300" r:id="rId8"/>
+    <p:sldId id="264" r:id="rId9"/>
+    <p:sldId id="284" r:id="rId10"/>
+    <p:sldId id="305" r:id="rId11"/>
+    <p:sldId id="266" r:id="rId12"/>
+    <p:sldId id="304" r:id="rId13"/>
+    <p:sldId id="289" r:id="rId14"/>
+    <p:sldId id="296" r:id="rId15"/>
+    <p:sldId id="295" r:id="rId16"/>
+    <p:sldId id="306" r:id="rId17"/>
     <p:sldId id="297" r:id="rId18"/>
     <p:sldId id="271" r:id="rId19"/>
     <p:sldId id="303" r:id="rId20"/>
@@ -2942,7 +2942,7 @@
           <a:p>
             <a:fld id="{22B0E36C-BE1A-44DB-A356-EF8097A58217}" type="datetimeFigureOut">
               <a:rPr lang="zh-TW" altLang="en-US" smtClean="0"/>
-              <a:t>2021/3/14</a:t>
+              <a:t>2021/4/8</a:t>
             </a:fld>
             <a:endParaRPr lang="zh-TW" altLang="en-US"/>
           </a:p>
@@ -3274,7 +3274,7 @@
           <a:p>
             <a:fld id="{F32C4192-EAF0-4244-A6BD-F656C71E7629}" type="slidenum">
               <a:rPr lang="zh-TW" altLang="en-US" smtClean="0"/>
-              <a:t>8</a:t>
+              <a:t>7</a:t>
             </a:fld>
             <a:endParaRPr lang="zh-TW" altLang="en-US"/>
           </a:p>
@@ -3427,7 +3427,7 @@
           <a:p>
             <a:fld id="{F32C4192-EAF0-4244-A6BD-F656C71E7629}" type="slidenum">
               <a:rPr lang="zh-TW" altLang="en-US" smtClean="0"/>
-              <a:t>9</a:t>
+              <a:t>8</a:t>
             </a:fld>
             <a:endParaRPr lang="zh-TW" altLang="en-US"/>
           </a:p>
@@ -3511,7 +3511,7 @@
           <a:p>
             <a:fld id="{F32C4192-EAF0-4244-A6BD-F656C71E7629}" type="slidenum">
               <a:rPr lang="zh-TW" altLang="en-US" smtClean="0"/>
-              <a:t>12</a:t>
+              <a:t>11</a:t>
             </a:fld>
             <a:endParaRPr lang="zh-TW" altLang="en-US"/>
           </a:p>
@@ -4642,7 +4642,7 @@
           <a:p>
             <a:fld id="{5E014EBE-D552-4EFA-B981-B216F7D9EAD6}" type="datetimeFigureOut">
               <a:rPr lang="zh-TW" altLang="en-US" smtClean="0"/>
-              <a:t>2021/3/14</a:t>
+              <a:t>2021/4/8</a:t>
             </a:fld>
             <a:endParaRPr lang="zh-TW" altLang="en-US"/>
           </a:p>
@@ -4995,7 +4995,7 @@
           <a:p>
             <a:fld id="{5E014EBE-D552-4EFA-B981-B216F7D9EAD6}" type="datetimeFigureOut">
               <a:rPr lang="zh-TW" altLang="en-US" smtClean="0"/>
-              <a:t>2021/3/14</a:t>
+              <a:t>2021/4/8</a:t>
             </a:fld>
             <a:endParaRPr lang="zh-TW" altLang="en-US"/>
           </a:p>
@@ -5163,7 +5163,7 @@
           <a:p>
             <a:fld id="{5E014EBE-D552-4EFA-B981-B216F7D9EAD6}" type="datetimeFigureOut">
               <a:rPr lang="zh-TW" altLang="en-US" smtClean="0"/>
-              <a:t>2021/3/14</a:t>
+              <a:t>2021/4/8</a:t>
             </a:fld>
             <a:endParaRPr lang="zh-TW" altLang="en-US"/>
           </a:p>
@@ -5281,7 +5281,7 @@
           <a:p>
             <a:fld id="{5E014EBE-D552-4EFA-B981-B216F7D9EAD6}" type="datetimeFigureOut">
               <a:rPr lang="zh-TW" altLang="en-US" smtClean="0"/>
-              <a:t>2021/3/14</a:t>
+              <a:t>2021/4/8</a:t>
             </a:fld>
             <a:endParaRPr lang="zh-TW" altLang="en-US"/>
           </a:p>
@@ -6036,6 +6036,264 @@
       </p:grpSpPr>
       <p:sp>
         <p:nvSpPr>
+          <p:cNvPr id="2" name="標題 1">
+            <a:extLst>
+              <a:ext uri="{FF2B5EF4-FFF2-40B4-BE49-F238E27FC236}">
+                <a16:creationId xmlns:a16="http://schemas.microsoft.com/office/drawing/2014/main" id="{DF153D60-CEAF-468B-B36F-C6E74389A3C2}"/>
+              </a:ext>
+            </a:extLst>
+          </p:cNvPr>
+          <p:cNvSpPr>
+            <a:spLocks noGrp="1"/>
+          </p:cNvSpPr>
+          <p:nvPr>
+            <p:ph type="title"/>
+          </p:nvPr>
+        </p:nvSpPr>
+        <p:spPr/>
+        <p:txBody>
+          <a:bodyPr/>
+          <a:lstStyle/>
+          <a:p>
+            <a:r>
+              <a:rPr lang="en-US" altLang="zh-TW" dirty="0"/>
+              <a:t>Important function</a:t>
+            </a:r>
+            <a:endParaRPr lang="zh-TW" altLang="en-US" dirty="0"/>
+          </a:p>
+        </p:txBody>
+      </p:sp>
+      <p:sp>
+        <p:nvSpPr>
+          <p:cNvPr id="3" name="文字版面配置區 2">
+            <a:extLst>
+              <a:ext uri="{FF2B5EF4-FFF2-40B4-BE49-F238E27FC236}">
+                <a16:creationId xmlns:a16="http://schemas.microsoft.com/office/drawing/2014/main" id="{037903A2-E3DE-4D59-96C8-F40C1D43D2CF}"/>
+              </a:ext>
+            </a:extLst>
+          </p:cNvPr>
+          <p:cNvSpPr>
+            <a:spLocks noGrp="1"/>
+          </p:cNvSpPr>
+          <p:nvPr>
+            <p:ph type="body" sz="quarter" idx="13"/>
+          </p:nvPr>
+        </p:nvSpPr>
+        <p:spPr>
+          <a:xfrm>
+            <a:off x="292683" y="1989705"/>
+            <a:ext cx="11606633" cy="4200525"/>
+          </a:xfrm>
+        </p:spPr>
+        <p:txBody>
+          <a:bodyPr/>
+          <a:lstStyle/>
+          <a:p>
+            <a:r>
+              <a:rPr lang="en-US" altLang="zh-TW" b="1" dirty="0" err="1"/>
+              <a:t>setsockopt</a:t>
+            </a:r>
+            <a:r>
+              <a:rPr lang="en-US" altLang="zh-TW" b="1" dirty="0"/>
+              <a:t> (</a:t>
+            </a:r>
+            <a:r>
+              <a:rPr lang="en-US" altLang="zh-TW" b="1" dirty="0" err="1"/>
+              <a:t>sd</a:t>
+            </a:r>
+            <a:r>
+              <a:rPr lang="en-US" altLang="zh-TW" b="1" dirty="0"/>
+              <a:t>, IPPROTO_IP, IP_MULTICAST_IF, (char *)&amp;</a:t>
+            </a:r>
+            <a:r>
+              <a:rPr lang="en-US" altLang="zh-TW" b="1" dirty="0" err="1"/>
+              <a:t>localInterface</a:t>
+            </a:r>
+            <a:r>
+              <a:rPr lang="en-US" altLang="zh-TW" b="1" dirty="0"/>
+              <a:t>, </a:t>
+            </a:r>
+            <a:r>
+              <a:rPr lang="en-US" altLang="zh-TW" b="1" dirty="0" err="1"/>
+              <a:t>sizeof</a:t>
+            </a:r>
+            <a:r>
+              <a:rPr lang="en-US" altLang="zh-TW" b="1" dirty="0"/>
+              <a:t>(</a:t>
+            </a:r>
+            <a:r>
+              <a:rPr lang="en-US" altLang="zh-TW" b="1" dirty="0" err="1"/>
+              <a:t>localInterface</a:t>
+            </a:r>
+            <a:r>
+              <a:rPr lang="en-US" altLang="zh-TW" b="1" dirty="0"/>
+              <a:t>))</a:t>
+            </a:r>
+          </a:p>
+          <a:p>
+            <a:pPr marL="630900" lvl="1" indent="-342900">
+              <a:buFont typeface="Wingdings" panose="05000000000000000000" pitchFamily="2" charset="2"/>
+              <a:buChar char="Ø"/>
+            </a:pPr>
+            <a:endParaRPr lang="en-US" altLang="zh-TW" b="1" dirty="0"/>
+          </a:p>
+          <a:p>
+            <a:pPr marL="630900" lvl="1" indent="-342900">
+              <a:buFont typeface="Wingdings" panose="05000000000000000000" pitchFamily="2" charset="2"/>
+              <a:buChar char="Ø"/>
+            </a:pPr>
+            <a:r>
+              <a:rPr lang="en-US" altLang="zh-TW" b="1" dirty="0"/>
+              <a:t>IP_MULTICAST_IF:  Sets the interface over which outgoing multicast datagrams are sent.</a:t>
+            </a:r>
+          </a:p>
+          <a:p>
+            <a:pPr marL="630900" lvl="1" indent="-342900">
+              <a:buFont typeface="Wingdings" panose="05000000000000000000" pitchFamily="2" charset="2"/>
+              <a:buChar char="Ø"/>
+            </a:pPr>
+            <a:endParaRPr lang="en-US" altLang="zh-TW" b="1" dirty="0"/>
+          </a:p>
+          <a:p>
+            <a:pPr marL="630900" lvl="1" indent="-342900">
+              <a:buFont typeface="Wingdings" panose="05000000000000000000" pitchFamily="2" charset="2"/>
+              <a:buChar char="Ø"/>
+            </a:pPr>
+            <a:r>
+              <a:rPr lang="en-US" altLang="zh-TW" b="1" dirty="0" err="1"/>
+              <a:t>localInterface</a:t>
+            </a:r>
+            <a:r>
+              <a:rPr lang="en-US" altLang="zh-TW" b="1" dirty="0"/>
+              <a:t> :all multicast traffic generated in this socket will be output from the interface chosen.</a:t>
+            </a:r>
+          </a:p>
+          <a:p>
+            <a:pPr marL="630900" lvl="1" indent="-342900">
+              <a:buFont typeface="Wingdings" panose="05000000000000000000" pitchFamily="2" charset="2"/>
+              <a:buChar char="Ø"/>
+            </a:pPr>
+            <a:endParaRPr lang="en-US" altLang="zh-TW" b="1" dirty="0"/>
+          </a:p>
+          <a:p>
+            <a:r>
+              <a:rPr lang="en-US" altLang="zh-TW" b="1" dirty="0" err="1"/>
+              <a:t>sendto</a:t>
+            </a:r>
+            <a:r>
+              <a:rPr lang="en-US" altLang="zh-TW" b="1" dirty="0"/>
+              <a:t> (</a:t>
+            </a:r>
+            <a:r>
+              <a:rPr lang="en-US" altLang="zh-TW" b="1" dirty="0" err="1"/>
+              <a:t>sd</a:t>
+            </a:r>
+            <a:r>
+              <a:rPr lang="en-US" altLang="zh-TW" b="1" dirty="0"/>
+              <a:t>, </a:t>
+            </a:r>
+            <a:r>
+              <a:rPr lang="en-US" altLang="zh-TW" b="1" dirty="0" err="1"/>
+              <a:t>databuf</a:t>
+            </a:r>
+            <a:r>
+              <a:rPr lang="en-US" altLang="zh-TW" b="1" dirty="0"/>
+              <a:t>, </a:t>
+            </a:r>
+            <a:r>
+              <a:rPr lang="en-US" altLang="zh-TW" b="1" dirty="0" err="1"/>
+              <a:t>datalen</a:t>
+            </a:r>
+            <a:r>
+              <a:rPr lang="en-US" altLang="zh-TW" b="1" dirty="0"/>
+              <a:t>, 0, (struct </a:t>
+            </a:r>
+            <a:r>
+              <a:rPr lang="en-US" altLang="zh-TW" b="1" dirty="0" err="1"/>
+              <a:t>sockaddr</a:t>
+            </a:r>
+            <a:r>
+              <a:rPr lang="en-US" altLang="zh-TW" b="1" dirty="0"/>
+              <a:t>*)&amp;</a:t>
+            </a:r>
+            <a:r>
+              <a:rPr lang="en-US" altLang="zh-TW" b="1" dirty="0" err="1"/>
+              <a:t>groupSock</a:t>
+            </a:r>
+            <a:r>
+              <a:rPr lang="en-US" altLang="zh-TW" b="1" dirty="0"/>
+              <a:t>, </a:t>
+            </a:r>
+            <a:r>
+              <a:rPr lang="en-US" altLang="zh-TW" b="1" dirty="0" err="1"/>
+              <a:t>sizeof</a:t>
+            </a:r>
+            <a:r>
+              <a:rPr lang="en-US" altLang="zh-TW" b="1" dirty="0"/>
+              <a:t>(</a:t>
+            </a:r>
+            <a:r>
+              <a:rPr lang="en-US" altLang="zh-TW" b="1" dirty="0" err="1"/>
+              <a:t>groupSock</a:t>
+            </a:r>
+            <a:r>
+              <a:rPr lang="en-US" altLang="zh-TW" b="1" dirty="0"/>
+              <a:t>))</a:t>
+            </a:r>
+          </a:p>
+          <a:p>
+            <a:pPr lvl="1"/>
+            <a:endParaRPr lang="en-US" altLang="zh-TW" b="1" dirty="0"/>
+          </a:p>
+          <a:p>
+            <a:pPr marL="630900" lvl="1" indent="-342900">
+              <a:buFont typeface="Wingdings" panose="05000000000000000000" pitchFamily="2" charset="2"/>
+              <a:buChar char="Ø"/>
+            </a:pPr>
+            <a:r>
+              <a:rPr lang="en-US" altLang="zh-TW" b="1" dirty="0" err="1"/>
+              <a:t>groupSock</a:t>
+            </a:r>
+            <a:r>
+              <a:rPr lang="en-US" altLang="zh-TW" b="1" dirty="0"/>
+              <a:t>: send to group socket</a:t>
+            </a:r>
+            <a:endParaRPr lang="zh-TW" altLang="en-US" b="1" dirty="0"/>
+          </a:p>
+        </p:txBody>
+      </p:sp>
+    </p:spTree>
+    <p:extLst>
+      <p:ext uri="{BB962C8B-B14F-4D97-AF65-F5344CB8AC3E}">
+        <p14:creationId xmlns:p14="http://schemas.microsoft.com/office/powerpoint/2010/main" val="1415052331"/>
+      </p:ext>
+    </p:extLst>
+  </p:cSld>
+  <p:clrMapOvr>
+    <a:masterClrMapping/>
+  </p:clrMapOvr>
+</p:sld>
+</file>
+
+<file path=ppt/slides/slide11.xml><?xml version="1.0" encoding="utf-8"?>
+<p:sld xmlns:a="http://schemas.openxmlformats.org/drawingml/2006/main" xmlns:r="http://schemas.openxmlformats.org/officeDocument/2006/relationships" xmlns:p="http://schemas.openxmlformats.org/presentationml/2006/main">
+  <p:cSld>
+    <p:spTree>
+      <p:nvGrpSpPr>
+        <p:cNvPr id="1" name=""/>
+        <p:cNvGrpSpPr/>
+        <p:nvPr/>
+      </p:nvGrpSpPr>
+      <p:grpSpPr>
+        <a:xfrm>
+          <a:off x="0" y="0"/>
+          <a:ext cx="0" cy="0"/>
+          <a:chOff x="0" y="0"/>
+          <a:chExt cx="0" cy="0"/>
+        </a:xfrm>
+      </p:grpSpPr>
+      <p:sp>
+        <p:nvSpPr>
           <p:cNvPr id="2" name="標題 1"/>
           <p:cNvSpPr>
             <a:spLocks noGrp="1"/>
@@ -6051,7 +6309,7 @@
           <a:p>
             <a:r>
               <a:rPr lang="en-US" altLang="zh-TW" dirty="0"/>
-              <a:t>Multicast server side socket programming</a:t>
+              <a:t>Multicast client side socket programming</a:t>
             </a:r>
             <a:endParaRPr lang="zh-TW" altLang="en-US" dirty="0"/>
           </a:p>
@@ -6078,7 +6336,7 @@
               <a:rPr lang="zh-TW" altLang="en-US" dirty="0">
                 <a:ea typeface="微軟正黑體" panose="020B0604030504040204" pitchFamily="34" charset="-120"/>
               </a:rPr>
-              <a:t>建</a:t>
+              <a:t>建立</a:t>
             </a:r>
             <a:r>
               <a:rPr lang="en-US" altLang="zh-TW" dirty="0">
@@ -6092,114 +6350,141 @@
               <a:rPr lang="zh-TW" altLang="en-US" dirty="0">
                 <a:ea typeface="微軟正黑體" panose="020B0604030504040204" pitchFamily="34" charset="-120"/>
               </a:rPr>
-              <a:t>建</a:t>
+              <a:t>設定大家都可以從同樣的</a:t>
             </a:r>
             <a:r>
               <a:rPr lang="en-US" altLang="zh-TW" dirty="0">
                 <a:ea typeface="微軟正黑體" panose="020B0604030504040204" pitchFamily="34" charset="-120"/>
               </a:rPr>
-              <a:t>destination group </a:t>
-            </a:r>
-            <a:r>
-              <a:rPr lang="en-US" altLang="zh-TW" dirty="0" err="1">
-                <a:ea typeface="微軟正黑體" panose="020B0604030504040204" pitchFamily="34" charset="-120"/>
-              </a:rPr>
-              <a:t>ip</a:t>
-            </a:r>
-            <a:r>
-              <a:rPr lang="en-US" altLang="zh-TW" dirty="0">
-                <a:ea typeface="微軟正黑體" panose="020B0604030504040204" pitchFamily="34" charset="-120"/>
-              </a:rPr>
-              <a:t> </a:t>
+              <a:t>local port</a:t>
             </a:r>
             <a:r>
               <a:rPr lang="zh-TW" altLang="en-US" dirty="0">
                 <a:ea typeface="微軟正黑體" panose="020B0604030504040204" pitchFamily="34" charset="-120"/>
               </a:rPr>
-              <a:t>的</a:t>
-            </a:r>
-            <a:r>
-              <a:rPr lang="en-US" altLang="zh-TW" dirty="0">
-                <a:ea typeface="微軟正黑體" panose="020B0604030504040204" pitchFamily="34" charset="-120"/>
-              </a:rPr>
-              <a:t>structure (ex:226.1.1.1)</a:t>
-            </a:r>
-          </a:p>
-          <a:p>
-            <a:r>
-              <a:rPr lang="zh-TW" altLang="en-US" dirty="0">
-                <a:ea typeface="微軟正黑體" panose="020B0604030504040204" pitchFamily="34" charset="-120"/>
-              </a:rPr>
-              <a:t>設定 </a:t>
-            </a:r>
-            <a:r>
-              <a:rPr lang="en-US" altLang="zh-TW" dirty="0">
-                <a:ea typeface="微軟正黑體" panose="020B0604030504040204" pitchFamily="34" charset="-120"/>
-              </a:rPr>
-              <a:t>socket </a:t>
-            </a:r>
-            <a:r>
-              <a:rPr lang="zh-TW" altLang="en-US" dirty="0">
-                <a:ea typeface="微軟正黑體" panose="020B0604030504040204" pitchFamily="34" charset="-120"/>
-              </a:rPr>
-              <a:t>為 </a:t>
-            </a:r>
-            <a:r>
-              <a:rPr lang="en-US" altLang="zh-TW" dirty="0">
-                <a:ea typeface="微軟正黑體" panose="020B0604030504040204" pitchFamily="34" charset="-120"/>
-              </a:rPr>
-              <a:t>multicast </a:t>
-            </a:r>
-          </a:p>
-          <a:p>
-            <a:r>
-              <a:rPr lang="zh-TW" altLang="en-US" dirty="0">
-                <a:ea typeface="微軟正黑體" panose="020B0604030504040204" pitchFamily="34" charset="-120"/>
-              </a:rPr>
-              <a:t>設定要不要給</a:t>
-            </a:r>
-            <a:r>
-              <a:rPr lang="en-US" altLang="zh-TW" dirty="0">
-                <a:ea typeface="微軟正黑體" panose="020B0604030504040204" pitchFamily="34" charset="-120"/>
-              </a:rPr>
-              <a:t>local</a:t>
-            </a:r>
-            <a:r>
-              <a:rPr lang="zh-TW" altLang="en-US" dirty="0">
-                <a:ea typeface="微軟正黑體" panose="020B0604030504040204" pitchFamily="34" charset="-120"/>
-              </a:rPr>
-              <a:t>的群組也丟一包</a:t>
-            </a:r>
-            <a:r>
-              <a:rPr lang="en-US" altLang="zh-TW" dirty="0">
-                <a:ea typeface="微軟正黑體" panose="020B0604030504040204" pitchFamily="34" charset="-120"/>
-              </a:rPr>
-              <a:t>datagram</a:t>
-            </a:r>
-          </a:p>
-          <a:p>
-            <a:r>
-              <a:rPr lang="zh-TW" altLang="en-US" dirty="0">
-                <a:ea typeface="微軟正黑體" panose="020B0604030504040204" pitchFamily="34" charset="-120"/>
-              </a:rPr>
-              <a:t>送出</a:t>
+              <a:t>收到東西</a:t>
             </a:r>
             <a:endParaRPr lang="en-US" altLang="zh-TW" dirty="0">
               <a:ea typeface="微軟正黑體" panose="020B0604030504040204" pitchFamily="34" charset="-120"/>
             </a:endParaRPr>
           </a:p>
           <a:p>
-            <a:endParaRPr lang="en-US" altLang="zh-TW" dirty="0"/>
-          </a:p>
-          <a:p>
-            <a:endParaRPr lang="zh-TW" altLang="en-US" dirty="0"/>
+            <a:r>
+              <a:rPr lang="en-US" altLang="zh-TW" dirty="0">
+                <a:ea typeface="微軟正黑體" panose="020B0604030504040204" pitchFamily="34" charset="-120"/>
+              </a:rPr>
+              <a:t>Bind with multicast group</a:t>
+            </a:r>
+          </a:p>
+          <a:p>
+            <a:r>
+              <a:rPr lang="zh-TW" altLang="en-US" dirty="0">
+                <a:ea typeface="微軟正黑體" panose="020B0604030504040204" pitchFamily="34" charset="-120"/>
+              </a:rPr>
+              <a:t>設定</a:t>
+            </a:r>
+            <a:r>
+              <a:rPr lang="en-US" altLang="zh-TW" dirty="0">
+                <a:ea typeface="微軟正黑體" panose="020B0604030504040204" pitchFamily="34" charset="-120"/>
+              </a:rPr>
+              <a:t>socket</a:t>
+            </a:r>
+            <a:r>
+              <a:rPr lang="zh-TW" altLang="en-US" dirty="0">
+                <a:ea typeface="微軟正黑體" panose="020B0604030504040204" pitchFamily="34" charset="-120"/>
+              </a:rPr>
+              <a:t>所屬的</a:t>
+            </a:r>
+            <a:r>
+              <a:rPr lang="en-US" altLang="zh-TW" dirty="0">
+                <a:ea typeface="微軟正黑體" panose="020B0604030504040204" pitchFamily="34" charset="-120"/>
+              </a:rPr>
+              <a:t>group</a:t>
+            </a:r>
+            <a:r>
+              <a:rPr lang="zh-TW" altLang="en-US" dirty="0">
+                <a:ea typeface="微軟正黑體" panose="020B0604030504040204" pitchFamily="34" charset="-120"/>
+              </a:rPr>
+              <a:t>和</a:t>
+            </a:r>
+            <a:r>
+              <a:rPr lang="en-US" altLang="zh-TW" dirty="0">
+                <a:ea typeface="微軟正黑體" panose="020B0604030504040204" pitchFamily="34" charset="-120"/>
+              </a:rPr>
+              <a:t>local</a:t>
+            </a:r>
+            <a:r>
+              <a:rPr lang="zh-TW" altLang="en-US" dirty="0">
+                <a:ea typeface="微軟正黑體" panose="020B0604030504040204" pitchFamily="34" charset="-120"/>
+              </a:rPr>
+              <a:t>的</a:t>
+            </a:r>
+            <a:r>
+              <a:rPr lang="en-US" altLang="zh-TW" dirty="0">
+                <a:ea typeface="微軟正黑體" panose="020B0604030504040204" pitchFamily="34" charset="-120"/>
+              </a:rPr>
+              <a:t>interface </a:t>
+            </a:r>
+            <a:r>
+              <a:rPr lang="en-US" altLang="zh-TW" dirty="0" err="1">
+                <a:ea typeface="微軟正黑體" panose="020B0604030504040204" pitchFamily="34" charset="-120"/>
+              </a:rPr>
+              <a:t>ip</a:t>
+            </a:r>
+            <a:r>
+              <a:rPr lang="en-US" altLang="zh-TW" dirty="0">
+                <a:ea typeface="微軟正黑體" panose="020B0604030504040204" pitchFamily="34" charset="-120"/>
+              </a:rPr>
+              <a:t> (</a:t>
+            </a:r>
+            <a:r>
+              <a:rPr lang="zh-TW" altLang="en-US" dirty="0">
+                <a:ea typeface="微軟正黑體" panose="020B0604030504040204" pitchFamily="34" charset="-120"/>
+              </a:rPr>
+              <a:t>設定你</a:t>
+            </a:r>
+            <a:r>
+              <a:rPr lang="en-US" altLang="zh-TW" dirty="0">
+                <a:ea typeface="微軟正黑體" panose="020B0604030504040204" pitchFamily="34" charset="-120"/>
+              </a:rPr>
+              <a:t>local</a:t>
+            </a:r>
+            <a:r>
+              <a:rPr lang="zh-TW" altLang="en-US" dirty="0">
+                <a:ea typeface="微軟正黑體" panose="020B0604030504040204" pitchFamily="34" charset="-120"/>
+              </a:rPr>
+              <a:t>的</a:t>
+            </a:r>
+            <a:r>
+              <a:rPr lang="en-US" altLang="zh-TW" dirty="0" err="1">
+                <a:ea typeface="微軟正黑體" panose="020B0604030504040204" pitchFamily="34" charset="-120"/>
+              </a:rPr>
+              <a:t>ip</a:t>
+            </a:r>
+            <a:r>
+              <a:rPr lang="en-US" altLang="zh-TW" dirty="0">
+                <a:ea typeface="微軟正黑體" panose="020B0604030504040204" pitchFamily="34" charset="-120"/>
+              </a:rPr>
+              <a:t>)</a:t>
+            </a:r>
+          </a:p>
+          <a:p>
+            <a:r>
+              <a:rPr lang="zh-TW" altLang="en-US" dirty="0">
+                <a:ea typeface="微軟正黑體" panose="020B0604030504040204" pitchFamily="34" charset="-120"/>
+              </a:rPr>
+              <a:t>準備收檔案</a:t>
+            </a:r>
+            <a:endParaRPr lang="en-US" altLang="zh-TW" dirty="0">
+              <a:ea typeface="微軟正黑體" panose="020B0604030504040204" pitchFamily="34" charset="-120"/>
+            </a:endParaRPr>
           </a:p>
         </p:txBody>
       </p:sp>
     </p:spTree>
     <p:extLst>
       <p:ext uri="{BB962C8B-B14F-4D97-AF65-F5344CB8AC3E}">
-        <p14:creationId xmlns:p14="http://schemas.microsoft.com/office/powerpoint/2010/main" val="4146827631"/>
+        <p14:creationId xmlns:p14="http://schemas.microsoft.com/office/powerpoint/2010/main" val="2824681684"/>
       </p:ext>
     </p:extLst>
   </p:cSld>
@@ -6209,7 +6494,7 @@
 </p:sld>
 </file>
 
-<file path=ppt/slides/slide11.xml><?xml version="1.0" encoding="utf-8"?>
+<file path=ppt/slides/slide12.xml><?xml version="1.0" encoding="utf-8"?>
 <p:sld xmlns:a="http://schemas.openxmlformats.org/drawingml/2006/main" xmlns:r="http://schemas.openxmlformats.org/officeDocument/2006/relationships" xmlns:p="http://schemas.openxmlformats.org/presentationml/2006/main">
   <p:cSld>
     <p:spTree>
@@ -6287,7 +6572,7 @@
             </a:r>
             <a:r>
               <a:rPr lang="en-US" altLang="zh-TW" b="1" dirty="0"/>
-              <a:t> (</a:t>
+              <a:t>(</a:t>
             </a:r>
             <a:r>
               <a:rPr lang="en-US" altLang="zh-TW" b="1" dirty="0" err="1"/>
@@ -6295,15 +6580,7 @@
             </a:r>
             <a:r>
               <a:rPr lang="en-US" altLang="zh-TW" b="1" dirty="0"/>
-              <a:t>, IPPROTO_IP, IP_MULTICAST_IF, (char *)&amp;</a:t>
-            </a:r>
-            <a:r>
-              <a:rPr lang="en-US" altLang="zh-TW" b="1" dirty="0" err="1"/>
-              <a:t>localInterface</a:t>
-            </a:r>
-            <a:r>
-              <a:rPr lang="en-US" altLang="zh-TW" b="1" dirty="0"/>
-              <a:t>, </a:t>
+              <a:t>, IPPROTO_IP, IP_ADD_MEMBERSHIP, (char *)&amp;group, </a:t>
             </a:r>
             <a:r>
               <a:rPr lang="en-US" altLang="zh-TW" b="1" dirty="0" err="1"/>
@@ -6311,15 +6588,7 @@
             </a:r>
             <a:r>
               <a:rPr lang="en-US" altLang="zh-TW" b="1" dirty="0"/>
-              <a:t>(</a:t>
-            </a:r>
-            <a:r>
-              <a:rPr lang="en-US" altLang="zh-TW" b="1" dirty="0" err="1"/>
-              <a:t>localInterface</a:t>
-            </a:r>
-            <a:r>
-              <a:rPr lang="en-US" altLang="zh-TW" b="1" dirty="0"/>
-              <a:t>))</a:t>
+              <a:t>(group))</a:t>
             </a:r>
           </a:p>
           <a:p>
@@ -6336,7 +6605,7 @@
             </a:pPr>
             <a:r>
               <a:rPr lang="en-US" altLang="zh-TW" b="1" dirty="0"/>
-              <a:t>IP_MULTICAST_IF:  Sets the interface over which outgoing multicast datagrams are sent.</a:t>
+              <a:t>IP_ADD_MEMBERSHIP : Joins the multicast group specified.</a:t>
             </a:r>
           </a:p>
           <a:p>
@@ -6352,103 +6621,8 @@
               <a:buChar char="Ø"/>
             </a:pPr>
             <a:r>
-              <a:rPr lang="en-US" altLang="zh-TW" b="1" dirty="0" err="1"/>
-              <a:t>localInterface</a:t>
-            </a:r>
-            <a:r>
               <a:rPr lang="en-US" altLang="zh-TW" b="1" dirty="0"/>
-              <a:t> :all multicast traffic generated in this socket will be output from the interface chosen.</a:t>
-            </a:r>
-          </a:p>
-          <a:p>
-            <a:pPr marL="630900" lvl="1" indent="-342900">
-              <a:buFont typeface="Wingdings" panose="05000000000000000000" pitchFamily="2" charset="2"/>
-              <a:buChar char="Ø"/>
-            </a:pPr>
-            <a:endParaRPr lang="en-US" altLang="zh-TW" b="1" dirty="0"/>
-          </a:p>
-          <a:p>
-            <a:r>
-              <a:rPr lang="en-US" altLang="zh-TW" b="1" dirty="0" err="1"/>
-              <a:t>sendto</a:t>
-            </a:r>
-            <a:r>
-              <a:rPr lang="en-US" altLang="zh-TW" b="1" dirty="0"/>
-              <a:t> (</a:t>
-            </a:r>
-            <a:r>
-              <a:rPr lang="en-US" altLang="zh-TW" b="1" dirty="0" err="1"/>
-              <a:t>sd</a:t>
-            </a:r>
-            <a:r>
-              <a:rPr lang="en-US" altLang="zh-TW" b="1" dirty="0"/>
-              <a:t>, </a:t>
-            </a:r>
-            <a:r>
-              <a:rPr lang="en-US" altLang="zh-TW" b="1" dirty="0" err="1"/>
-              <a:t>databuf</a:t>
-            </a:r>
-            <a:r>
-              <a:rPr lang="en-US" altLang="zh-TW" b="1" dirty="0"/>
-              <a:t>, </a:t>
-            </a:r>
-            <a:r>
-              <a:rPr lang="en-US" altLang="zh-TW" b="1" dirty="0" err="1"/>
-              <a:t>datalen</a:t>
-            </a:r>
-            <a:r>
-              <a:rPr lang="en-US" altLang="zh-TW" b="1" dirty="0"/>
-              <a:t>, 0, (struct </a:t>
-            </a:r>
-            <a:r>
-              <a:rPr lang="en-US" altLang="zh-TW" b="1" dirty="0" err="1"/>
-              <a:t>sockaddr</a:t>
-            </a:r>
-            <a:r>
-              <a:rPr lang="en-US" altLang="zh-TW" b="1" dirty="0"/>
-              <a:t>*)&amp;</a:t>
-            </a:r>
-            <a:r>
-              <a:rPr lang="en-US" altLang="zh-TW" b="1" dirty="0" err="1"/>
-              <a:t>groupSock</a:t>
-            </a:r>
-            <a:r>
-              <a:rPr lang="en-US" altLang="zh-TW" b="1" dirty="0"/>
-              <a:t>, </a:t>
-            </a:r>
-            <a:r>
-              <a:rPr lang="en-US" altLang="zh-TW" b="1" dirty="0" err="1"/>
-              <a:t>sizeof</a:t>
-            </a:r>
-            <a:r>
-              <a:rPr lang="en-US" altLang="zh-TW" b="1" dirty="0"/>
-              <a:t>(</a:t>
-            </a:r>
-            <a:r>
-              <a:rPr lang="en-US" altLang="zh-TW" b="1" dirty="0" err="1"/>
-              <a:t>groupSock</a:t>
-            </a:r>
-            <a:r>
-              <a:rPr lang="en-US" altLang="zh-TW" b="1" dirty="0"/>
-              <a:t>))</a:t>
-            </a:r>
-          </a:p>
-          <a:p>
-            <a:pPr lvl="1"/>
-            <a:endParaRPr lang="en-US" altLang="zh-TW" b="1" dirty="0"/>
-          </a:p>
-          <a:p>
-            <a:pPr marL="630900" lvl="1" indent="-342900">
-              <a:buFont typeface="Wingdings" panose="05000000000000000000" pitchFamily="2" charset="2"/>
-              <a:buChar char="Ø"/>
-            </a:pPr>
-            <a:r>
-              <a:rPr lang="en-US" altLang="zh-TW" b="1" dirty="0" err="1"/>
-              <a:t>groupSock</a:t>
-            </a:r>
-            <a:r>
-              <a:rPr lang="en-US" altLang="zh-TW" b="1" dirty="0"/>
-              <a:t>: send to group socket</a:t>
+              <a:t>group :specify which group you want listen.</a:t>
             </a:r>
             <a:endParaRPr lang="zh-TW" altLang="en-US" b="1" dirty="0"/>
           </a:p>
@@ -6457,7 +6631,7 @@
     </p:spTree>
     <p:extLst>
       <p:ext uri="{BB962C8B-B14F-4D97-AF65-F5344CB8AC3E}">
-        <p14:creationId xmlns:p14="http://schemas.microsoft.com/office/powerpoint/2010/main" val="1415052331"/>
+        <p14:creationId xmlns:p14="http://schemas.microsoft.com/office/powerpoint/2010/main" val="1986322891"/>
       </p:ext>
     </p:extLst>
   </p:cSld>
@@ -6467,7 +6641,7 @@
 </p:sld>
 </file>
 
-<file path=ppt/slides/slide12.xml><?xml version="1.0" encoding="utf-8"?>
+<file path=ppt/slides/slide13.xml><?xml version="1.0" encoding="utf-8"?>
 <p:sld xmlns:a="http://schemas.openxmlformats.org/drawingml/2006/main" xmlns:r="http://schemas.openxmlformats.org/officeDocument/2006/relationships" xmlns:p="http://schemas.openxmlformats.org/presentationml/2006/main">
   <p:cSld>
     <p:spTree>
@@ -6501,373 +6675,15 @@
           <a:p>
             <a:r>
               <a:rPr lang="en-US" altLang="zh-TW" dirty="0"/>
-              <a:t>Multicast client side socket programming</a:t>
-            </a:r>
-            <a:endParaRPr lang="zh-TW" altLang="en-US" dirty="0"/>
-          </a:p>
-        </p:txBody>
-      </p:sp>
-      <p:sp>
-        <p:nvSpPr>
-          <p:cNvPr id="3" name="內容版面配置區 2"/>
-          <p:cNvSpPr>
-            <a:spLocks noGrp="1"/>
-          </p:cNvSpPr>
-          <p:nvPr>
-            <p:ph type="body" sz="quarter" idx="13"/>
-          </p:nvPr>
-        </p:nvSpPr>
-        <p:spPr/>
-        <p:txBody>
-          <a:bodyPr>
-            <a:normAutofit/>
-          </a:bodyPr>
-          <a:lstStyle/>
-          <a:p>
-            <a:r>
-              <a:rPr lang="zh-TW" altLang="en-US" dirty="0">
-                <a:ea typeface="微軟正黑體" panose="020B0604030504040204" pitchFamily="34" charset="-120"/>
-              </a:rPr>
-              <a:t>建立</a:t>
-            </a:r>
-            <a:r>
-              <a:rPr lang="en-US" altLang="zh-TW" dirty="0">
-                <a:ea typeface="微軟正黑體" panose="020B0604030504040204" pitchFamily="34" charset="-120"/>
-              </a:rPr>
-              <a:t>socket</a:t>
-            </a:r>
-          </a:p>
-          <a:p>
-            <a:r>
-              <a:rPr lang="zh-TW" altLang="en-US" dirty="0">
-                <a:ea typeface="微軟正黑體" panose="020B0604030504040204" pitchFamily="34" charset="-120"/>
-              </a:rPr>
-              <a:t>設定大家都可以從同樣的</a:t>
-            </a:r>
-            <a:r>
-              <a:rPr lang="en-US" altLang="zh-TW" dirty="0">
-                <a:ea typeface="微軟正黑體" panose="020B0604030504040204" pitchFamily="34" charset="-120"/>
-              </a:rPr>
-              <a:t>local port</a:t>
-            </a:r>
-            <a:r>
-              <a:rPr lang="zh-TW" altLang="en-US" dirty="0">
-                <a:ea typeface="微軟正黑體" panose="020B0604030504040204" pitchFamily="34" charset="-120"/>
-              </a:rPr>
-              <a:t>收到東西</a:t>
-            </a:r>
-            <a:endParaRPr lang="en-US" altLang="zh-TW" dirty="0">
-              <a:ea typeface="微軟正黑體" panose="020B0604030504040204" pitchFamily="34" charset="-120"/>
-            </a:endParaRPr>
-          </a:p>
-          <a:p>
-            <a:r>
-              <a:rPr lang="en-US" altLang="zh-TW" dirty="0">
-                <a:ea typeface="微軟正黑體" panose="020B0604030504040204" pitchFamily="34" charset="-120"/>
-              </a:rPr>
-              <a:t>Bind with multicast group</a:t>
-            </a:r>
-          </a:p>
-          <a:p>
-            <a:r>
-              <a:rPr lang="zh-TW" altLang="en-US" dirty="0">
-                <a:ea typeface="微軟正黑體" panose="020B0604030504040204" pitchFamily="34" charset="-120"/>
-              </a:rPr>
-              <a:t>設定</a:t>
-            </a:r>
-            <a:r>
-              <a:rPr lang="en-US" altLang="zh-TW" dirty="0">
-                <a:ea typeface="微軟正黑體" panose="020B0604030504040204" pitchFamily="34" charset="-120"/>
-              </a:rPr>
-              <a:t>socket</a:t>
-            </a:r>
-            <a:r>
-              <a:rPr lang="zh-TW" altLang="en-US" dirty="0">
-                <a:ea typeface="微軟正黑體" panose="020B0604030504040204" pitchFamily="34" charset="-120"/>
-              </a:rPr>
-              <a:t>所屬的</a:t>
-            </a:r>
-            <a:r>
-              <a:rPr lang="en-US" altLang="zh-TW" dirty="0">
-                <a:ea typeface="微軟正黑體" panose="020B0604030504040204" pitchFamily="34" charset="-120"/>
-              </a:rPr>
-              <a:t>group</a:t>
-            </a:r>
-            <a:r>
-              <a:rPr lang="zh-TW" altLang="en-US" dirty="0">
-                <a:ea typeface="微軟正黑體" panose="020B0604030504040204" pitchFamily="34" charset="-120"/>
-              </a:rPr>
-              <a:t>和</a:t>
-            </a:r>
-            <a:r>
-              <a:rPr lang="en-US" altLang="zh-TW" dirty="0">
-                <a:ea typeface="微軟正黑體" panose="020B0604030504040204" pitchFamily="34" charset="-120"/>
-              </a:rPr>
-              <a:t>local</a:t>
-            </a:r>
-            <a:r>
-              <a:rPr lang="zh-TW" altLang="en-US" dirty="0">
-                <a:ea typeface="微軟正黑體" panose="020B0604030504040204" pitchFamily="34" charset="-120"/>
-              </a:rPr>
-              <a:t>的</a:t>
-            </a:r>
-            <a:r>
-              <a:rPr lang="en-US" altLang="zh-TW" dirty="0">
-                <a:ea typeface="微軟正黑體" panose="020B0604030504040204" pitchFamily="34" charset="-120"/>
-              </a:rPr>
-              <a:t>interface </a:t>
-            </a:r>
-            <a:r>
-              <a:rPr lang="en-US" altLang="zh-TW" dirty="0" err="1">
-                <a:ea typeface="微軟正黑體" panose="020B0604030504040204" pitchFamily="34" charset="-120"/>
-              </a:rPr>
-              <a:t>ip</a:t>
-            </a:r>
-            <a:r>
-              <a:rPr lang="en-US" altLang="zh-TW" dirty="0">
-                <a:ea typeface="微軟正黑體" panose="020B0604030504040204" pitchFamily="34" charset="-120"/>
-              </a:rPr>
-              <a:t> (</a:t>
-            </a:r>
-            <a:r>
-              <a:rPr lang="zh-TW" altLang="en-US" dirty="0">
-                <a:ea typeface="微軟正黑體" panose="020B0604030504040204" pitchFamily="34" charset="-120"/>
-              </a:rPr>
-              <a:t>設定你</a:t>
-            </a:r>
-            <a:r>
-              <a:rPr lang="en-US" altLang="zh-TW" dirty="0">
-                <a:ea typeface="微軟正黑體" panose="020B0604030504040204" pitchFamily="34" charset="-120"/>
-              </a:rPr>
-              <a:t>local</a:t>
-            </a:r>
-            <a:r>
-              <a:rPr lang="zh-TW" altLang="en-US" dirty="0">
-                <a:ea typeface="微軟正黑體" panose="020B0604030504040204" pitchFamily="34" charset="-120"/>
-              </a:rPr>
-              <a:t>的</a:t>
-            </a:r>
-            <a:r>
-              <a:rPr lang="en-US" altLang="zh-TW" dirty="0" err="1">
-                <a:ea typeface="微軟正黑體" panose="020B0604030504040204" pitchFamily="34" charset="-120"/>
-              </a:rPr>
-              <a:t>ip</a:t>
-            </a:r>
-            <a:r>
-              <a:rPr lang="en-US" altLang="zh-TW" dirty="0">
-                <a:ea typeface="微軟正黑體" panose="020B0604030504040204" pitchFamily="34" charset="-120"/>
-              </a:rPr>
-              <a:t>)</a:t>
-            </a:r>
-          </a:p>
-          <a:p>
-            <a:r>
-              <a:rPr lang="zh-TW" altLang="en-US" dirty="0">
-                <a:ea typeface="微軟正黑體" panose="020B0604030504040204" pitchFamily="34" charset="-120"/>
-              </a:rPr>
-              <a:t>準備收檔案</a:t>
-            </a:r>
-            <a:endParaRPr lang="en-US" altLang="zh-TW" dirty="0">
-              <a:ea typeface="微軟正黑體" panose="020B0604030504040204" pitchFamily="34" charset="-120"/>
-            </a:endParaRPr>
-          </a:p>
-        </p:txBody>
-      </p:sp>
-    </p:spTree>
-    <p:extLst>
-      <p:ext uri="{BB962C8B-B14F-4D97-AF65-F5344CB8AC3E}">
-        <p14:creationId xmlns:p14="http://schemas.microsoft.com/office/powerpoint/2010/main" val="2824681684"/>
-      </p:ext>
-    </p:extLst>
-  </p:cSld>
-  <p:clrMapOvr>
-    <a:masterClrMapping/>
-  </p:clrMapOvr>
-</p:sld>
-</file>
-
-<file path=ppt/slides/slide13.xml><?xml version="1.0" encoding="utf-8"?>
-<p:sld xmlns:a="http://schemas.openxmlformats.org/drawingml/2006/main" xmlns:r="http://schemas.openxmlformats.org/officeDocument/2006/relationships" xmlns:p="http://schemas.openxmlformats.org/presentationml/2006/main">
-  <p:cSld>
-    <p:spTree>
-      <p:nvGrpSpPr>
-        <p:cNvPr id="1" name=""/>
-        <p:cNvGrpSpPr/>
-        <p:nvPr/>
-      </p:nvGrpSpPr>
-      <p:grpSpPr>
-        <a:xfrm>
-          <a:off x="0" y="0"/>
-          <a:ext cx="0" cy="0"/>
-          <a:chOff x="0" y="0"/>
-          <a:chExt cx="0" cy="0"/>
-        </a:xfrm>
-      </p:grpSpPr>
-      <p:sp>
-        <p:nvSpPr>
-          <p:cNvPr id="2" name="標題 1">
-            <a:extLst>
-              <a:ext uri="{FF2B5EF4-FFF2-40B4-BE49-F238E27FC236}">
-                <a16:creationId xmlns:a16="http://schemas.microsoft.com/office/drawing/2014/main" id="{DF153D60-CEAF-468B-B36F-C6E74389A3C2}"/>
-              </a:ext>
-            </a:extLst>
-          </p:cNvPr>
-          <p:cNvSpPr>
-            <a:spLocks noGrp="1"/>
-          </p:cNvSpPr>
-          <p:nvPr>
-            <p:ph type="title"/>
-          </p:nvPr>
-        </p:nvSpPr>
-        <p:spPr/>
-        <p:txBody>
-          <a:bodyPr/>
-          <a:lstStyle/>
-          <a:p>
+              <a:t>Sample code</a:t>
+            </a:r>
+            <a:r>
+              <a:rPr lang="zh-TW" altLang="en-US" dirty="0"/>
+              <a:t> </a:t>
+            </a:r>
             <a:r>
               <a:rPr lang="en-US" altLang="zh-TW" dirty="0"/>
-              <a:t>Important function</a:t>
-            </a:r>
-            <a:endParaRPr lang="zh-TW" altLang="en-US" dirty="0"/>
-          </a:p>
-        </p:txBody>
-      </p:sp>
-      <p:sp>
-        <p:nvSpPr>
-          <p:cNvPr id="3" name="文字版面配置區 2">
-            <a:extLst>
-              <a:ext uri="{FF2B5EF4-FFF2-40B4-BE49-F238E27FC236}">
-                <a16:creationId xmlns:a16="http://schemas.microsoft.com/office/drawing/2014/main" id="{037903A2-E3DE-4D59-96C8-F40C1D43D2CF}"/>
-              </a:ext>
-            </a:extLst>
-          </p:cNvPr>
-          <p:cNvSpPr>
-            <a:spLocks noGrp="1"/>
-          </p:cNvSpPr>
-          <p:nvPr>
-            <p:ph type="body" sz="quarter" idx="13"/>
-          </p:nvPr>
-        </p:nvSpPr>
-        <p:spPr>
-          <a:xfrm>
-            <a:off x="292683" y="1989705"/>
-            <a:ext cx="11606633" cy="4200525"/>
-          </a:xfrm>
-        </p:spPr>
-        <p:txBody>
-          <a:bodyPr/>
-          <a:lstStyle/>
-          <a:p>
-            <a:r>
-              <a:rPr lang="en-US" altLang="zh-TW" b="1" dirty="0" err="1"/>
-              <a:t>setsockopt</a:t>
-            </a:r>
-            <a:r>
-              <a:rPr lang="en-US" altLang="zh-TW" b="1" dirty="0"/>
-              <a:t>(</a:t>
-            </a:r>
-            <a:r>
-              <a:rPr lang="en-US" altLang="zh-TW" b="1" dirty="0" err="1"/>
-              <a:t>sd</a:t>
-            </a:r>
-            <a:r>
-              <a:rPr lang="en-US" altLang="zh-TW" b="1" dirty="0"/>
-              <a:t>, IPPROTO_IP, IP_ADD_MEMBERSHIP, (char *)&amp;group, </a:t>
-            </a:r>
-            <a:r>
-              <a:rPr lang="en-US" altLang="zh-TW" b="1" dirty="0" err="1"/>
-              <a:t>sizeof</a:t>
-            </a:r>
-            <a:r>
-              <a:rPr lang="en-US" altLang="zh-TW" b="1" dirty="0"/>
-              <a:t>(group))</a:t>
-            </a:r>
-          </a:p>
-          <a:p>
-            <a:pPr marL="630900" lvl="1" indent="-342900">
-              <a:buFont typeface="Wingdings" panose="05000000000000000000" pitchFamily="2" charset="2"/>
-              <a:buChar char="Ø"/>
-            </a:pPr>
-            <a:endParaRPr lang="en-US" altLang="zh-TW" b="1" dirty="0"/>
-          </a:p>
-          <a:p>
-            <a:pPr marL="630900" lvl="1" indent="-342900">
-              <a:buFont typeface="Wingdings" panose="05000000000000000000" pitchFamily="2" charset="2"/>
-              <a:buChar char="Ø"/>
-            </a:pPr>
-            <a:r>
-              <a:rPr lang="en-US" altLang="zh-TW" b="1" dirty="0"/>
-              <a:t>IP_ADD_MEMBERSHIP : Joins the multicast group specified.</a:t>
-            </a:r>
-          </a:p>
-          <a:p>
-            <a:pPr marL="630900" lvl="1" indent="-342900">
-              <a:buFont typeface="Wingdings" panose="05000000000000000000" pitchFamily="2" charset="2"/>
-              <a:buChar char="Ø"/>
-            </a:pPr>
-            <a:endParaRPr lang="en-US" altLang="zh-TW" b="1" dirty="0"/>
-          </a:p>
-          <a:p>
-            <a:pPr marL="630900" lvl="1" indent="-342900">
-              <a:buFont typeface="Wingdings" panose="05000000000000000000" pitchFamily="2" charset="2"/>
-              <a:buChar char="Ø"/>
-            </a:pPr>
-            <a:r>
-              <a:rPr lang="en-US" altLang="zh-TW" b="1" dirty="0"/>
-              <a:t>group :specify which group you want listen.</a:t>
-            </a:r>
-            <a:endParaRPr lang="zh-TW" altLang="en-US" b="1" dirty="0"/>
-          </a:p>
-        </p:txBody>
-      </p:sp>
-    </p:spTree>
-    <p:extLst>
-      <p:ext uri="{BB962C8B-B14F-4D97-AF65-F5344CB8AC3E}">
-        <p14:creationId xmlns:p14="http://schemas.microsoft.com/office/powerpoint/2010/main" val="1986322891"/>
-      </p:ext>
-    </p:extLst>
-  </p:cSld>
-  <p:clrMapOvr>
-    <a:masterClrMapping/>
-  </p:clrMapOvr>
-</p:sld>
-</file>
-
-<file path=ppt/slides/slide14.xml><?xml version="1.0" encoding="utf-8"?>
-<p:sld xmlns:a="http://schemas.openxmlformats.org/drawingml/2006/main" xmlns:r="http://schemas.openxmlformats.org/officeDocument/2006/relationships" xmlns:p="http://schemas.openxmlformats.org/presentationml/2006/main">
-  <p:cSld>
-    <p:spTree>
-      <p:nvGrpSpPr>
-        <p:cNvPr id="1" name=""/>
-        <p:cNvGrpSpPr/>
-        <p:nvPr/>
-      </p:nvGrpSpPr>
-      <p:grpSpPr>
-        <a:xfrm>
-          <a:off x="0" y="0"/>
-          <a:ext cx="0" cy="0"/>
-          <a:chOff x="0" y="0"/>
-          <a:chExt cx="0" cy="0"/>
-        </a:xfrm>
-      </p:grpSpPr>
-      <p:sp>
-        <p:nvSpPr>
-          <p:cNvPr id="2" name="標題 1"/>
-          <p:cNvSpPr>
-            <a:spLocks noGrp="1"/>
-          </p:cNvSpPr>
-          <p:nvPr>
-            <p:ph type="title"/>
-          </p:nvPr>
-        </p:nvSpPr>
-        <p:spPr/>
-        <p:txBody>
-          <a:bodyPr/>
-          <a:lstStyle/>
-          <a:p>
-            <a:r>
-              <a:rPr lang="en-US" altLang="zh-TW" dirty="0"/>
-              <a:t>Sample code</a:t>
+              <a:t>1</a:t>
             </a:r>
             <a:endParaRPr lang="zh-TW" altLang="en-US" dirty="0"/>
           </a:p>
@@ -7233,6 +7049,156 @@
 </p:sld>
 </file>
 
+<file path=ppt/slides/slide14.xml><?xml version="1.0" encoding="utf-8"?>
+<p:sld xmlns:a="http://schemas.openxmlformats.org/drawingml/2006/main" xmlns:r="http://schemas.openxmlformats.org/officeDocument/2006/relationships" xmlns:p="http://schemas.openxmlformats.org/presentationml/2006/main">
+  <p:cSld>
+    <p:spTree>
+      <p:nvGrpSpPr>
+        <p:cNvPr id="1" name=""/>
+        <p:cNvGrpSpPr/>
+        <p:nvPr/>
+      </p:nvGrpSpPr>
+      <p:grpSpPr>
+        <a:xfrm>
+          <a:off x="0" y="0"/>
+          <a:ext cx="0" cy="0"/>
+          <a:chOff x="0" y="0"/>
+          <a:chExt cx="0" cy="0"/>
+        </a:xfrm>
+      </p:grpSpPr>
+      <p:sp>
+        <p:nvSpPr>
+          <p:cNvPr id="2" name="標題 1"/>
+          <p:cNvSpPr>
+            <a:spLocks noGrp="1"/>
+          </p:cNvSpPr>
+          <p:nvPr>
+            <p:ph type="title"/>
+          </p:nvPr>
+        </p:nvSpPr>
+        <p:spPr/>
+        <p:txBody>
+          <a:bodyPr/>
+          <a:lstStyle/>
+          <a:p>
+            <a:r>
+              <a:rPr lang="en-US" altLang="zh-TW" dirty="0"/>
+              <a:t>Sample – </a:t>
+            </a:r>
+            <a:r>
+              <a:rPr lang="en-US" altLang="zh-TW" dirty="0" err="1"/>
+              <a:t>MultiThread</a:t>
+            </a:r>
+            <a:r>
+              <a:rPr lang="en-US" altLang="zh-TW" dirty="0"/>
+              <a:t> Server</a:t>
+            </a:r>
+            <a:r>
+              <a:rPr lang="zh-TW" altLang="en-US" dirty="0"/>
+              <a:t> </a:t>
+            </a:r>
+            <a:r>
+              <a:rPr lang="en-US" altLang="zh-TW" dirty="0"/>
+              <a:t>(</a:t>
+            </a:r>
+            <a:r>
+              <a:rPr lang="zh-TW" altLang="en-US" dirty="0"/>
+              <a:t>參考</a:t>
+            </a:r>
+            <a:r>
+              <a:rPr lang="en-US" altLang="zh-TW" dirty="0"/>
+              <a:t>)</a:t>
+            </a:r>
+            <a:endParaRPr lang="zh-TW" altLang="en-US" dirty="0"/>
+          </a:p>
+        </p:txBody>
+      </p:sp>
+      <p:sp>
+        <p:nvSpPr>
+          <p:cNvPr id="3" name="內容版面配置區 2"/>
+          <p:cNvSpPr>
+            <a:spLocks noGrp="1"/>
+          </p:cNvSpPr>
+          <p:nvPr>
+            <p:ph type="body" sz="quarter" idx="13"/>
+          </p:nvPr>
+        </p:nvSpPr>
+        <p:spPr/>
+        <p:txBody>
+          <a:bodyPr/>
+          <a:lstStyle/>
+          <a:p>
+            <a:r>
+              <a:rPr lang="zh-TW" altLang="en-US" dirty="0">
+                <a:ea typeface="微軟正黑體" panose="020B0604030504040204" pitchFamily="34" charset="-120"/>
+              </a:rPr>
+              <a:t>可以服務多個</a:t>
+            </a:r>
+            <a:r>
+              <a:rPr lang="en-US" altLang="zh-TW" dirty="0">
+                <a:ea typeface="微軟正黑體" panose="020B0604030504040204" pitchFamily="34" charset="-120"/>
+              </a:rPr>
+              <a:t>client</a:t>
+            </a:r>
+          </a:p>
+          <a:p>
+            <a:r>
+              <a:rPr lang="zh-TW" altLang="en-US" dirty="0">
+                <a:ea typeface="微軟正黑體" panose="020B0604030504040204" pitchFamily="34" charset="-120"/>
+              </a:rPr>
+              <a:t>聽</a:t>
+            </a:r>
+            <a:r>
+              <a:rPr lang="en-US" altLang="zh-TW" dirty="0">
+                <a:ea typeface="微軟正黑體" panose="020B0604030504040204" pitchFamily="34" charset="-120"/>
+              </a:rPr>
+              <a:t>8888 port</a:t>
+            </a:r>
+          </a:p>
+          <a:p>
+            <a:r>
+              <a:rPr lang="zh-TW" altLang="en-US" dirty="0">
+                <a:ea typeface="微軟正黑體" panose="020B0604030504040204" pitchFamily="34" charset="-120"/>
+              </a:rPr>
+              <a:t>有</a:t>
+            </a:r>
+            <a:r>
+              <a:rPr lang="en-US" altLang="zh-TW" dirty="0">
+                <a:ea typeface="微軟正黑體" panose="020B0604030504040204" pitchFamily="34" charset="-120"/>
+              </a:rPr>
+              <a:t>request</a:t>
+            </a:r>
+            <a:r>
+              <a:rPr lang="zh-TW" altLang="en-US" dirty="0">
+                <a:ea typeface="微軟正黑體" panose="020B0604030504040204" pitchFamily="34" charset="-120"/>
+              </a:rPr>
+              <a:t>時</a:t>
+            </a:r>
+            <a:r>
+              <a:rPr lang="en-US" altLang="zh-TW" dirty="0" err="1">
+                <a:ea typeface="微軟正黑體" panose="020B0604030504040204" pitchFamily="34" charset="-120"/>
+              </a:rPr>
+              <a:t>create_pthread</a:t>
+            </a:r>
+            <a:endParaRPr lang="en-US" altLang="zh-TW" dirty="0">
+              <a:ea typeface="微軟正黑體" panose="020B0604030504040204" pitchFamily="34" charset="-120"/>
+            </a:endParaRPr>
+          </a:p>
+        </p:txBody>
+      </p:sp>
+    </p:spTree>
+    <p:extLst>
+      <p:ext uri="{BB962C8B-B14F-4D97-AF65-F5344CB8AC3E}">
+        <p14:creationId xmlns:p14="http://schemas.microsoft.com/office/powerpoint/2010/main" val="2374632491"/>
+      </p:ext>
+    </p:extLst>
+  </p:cSld>
+  <p:clrMapOvr>
+    <a:masterClrMapping/>
+  </p:clrMapOvr>
+</p:sld>
+</file>
+
 <file path=ppt/slides/slide15.xml><?xml version="1.0" encoding="utf-8"?>
 <p:sld xmlns:a="http://schemas.openxmlformats.org/drawingml/2006/main" xmlns:r="http://schemas.openxmlformats.org/officeDocument/2006/relationships" xmlns:p="http://schemas.openxmlformats.org/presentationml/2006/main">
   <p:cSld>
@@ -7267,157 +7233,7 @@
           <a:p>
             <a:r>
               <a:rPr lang="en-US" altLang="zh-TW" dirty="0"/>
-              <a:t>Sample – </a:t>
-            </a:r>
-            <a:r>
-              <a:rPr lang="en-US" altLang="zh-TW" dirty="0" err="1"/>
-              <a:t>MultiThread</a:t>
-            </a:r>
-            <a:r>
-              <a:rPr lang="en-US" altLang="zh-TW" dirty="0"/>
-              <a:t> Server</a:t>
-            </a:r>
-            <a:r>
-              <a:rPr lang="zh-TW" altLang="en-US" dirty="0"/>
-              <a:t> </a:t>
-            </a:r>
-            <a:r>
-              <a:rPr lang="en-US" altLang="zh-TW" dirty="0"/>
-              <a:t>(</a:t>
-            </a:r>
-            <a:r>
-              <a:rPr lang="zh-TW" altLang="en-US" dirty="0"/>
-              <a:t>參考</a:t>
-            </a:r>
-            <a:r>
-              <a:rPr lang="en-US" altLang="zh-TW" dirty="0"/>
-              <a:t>)</a:t>
-            </a:r>
-            <a:endParaRPr lang="zh-TW" altLang="en-US" dirty="0"/>
-          </a:p>
-        </p:txBody>
-      </p:sp>
-      <p:sp>
-        <p:nvSpPr>
-          <p:cNvPr id="3" name="內容版面配置區 2"/>
-          <p:cNvSpPr>
-            <a:spLocks noGrp="1"/>
-          </p:cNvSpPr>
-          <p:nvPr>
-            <p:ph type="body" sz="quarter" idx="13"/>
-          </p:nvPr>
-        </p:nvSpPr>
-        <p:spPr/>
-        <p:txBody>
-          <a:bodyPr/>
-          <a:lstStyle/>
-          <a:p>
-            <a:r>
-              <a:rPr lang="zh-TW" altLang="en-US" dirty="0">
-                <a:ea typeface="微軟正黑體" panose="020B0604030504040204" pitchFamily="34" charset="-120"/>
-              </a:rPr>
-              <a:t>可以服務多個</a:t>
-            </a:r>
-            <a:r>
-              <a:rPr lang="en-US" altLang="zh-TW" dirty="0">
-                <a:ea typeface="微軟正黑體" panose="020B0604030504040204" pitchFamily="34" charset="-120"/>
-              </a:rPr>
-              <a:t>client</a:t>
-            </a:r>
-          </a:p>
-          <a:p>
-            <a:r>
-              <a:rPr lang="zh-TW" altLang="en-US" dirty="0">
-                <a:ea typeface="微軟正黑體" panose="020B0604030504040204" pitchFamily="34" charset="-120"/>
-              </a:rPr>
-              <a:t>聽</a:t>
-            </a:r>
-            <a:r>
-              <a:rPr lang="en-US" altLang="zh-TW" dirty="0">
-                <a:ea typeface="微軟正黑體" panose="020B0604030504040204" pitchFamily="34" charset="-120"/>
-              </a:rPr>
-              <a:t>8888 port</a:t>
-            </a:r>
-          </a:p>
-          <a:p>
-            <a:r>
-              <a:rPr lang="zh-TW" altLang="en-US" dirty="0">
-                <a:ea typeface="微軟正黑體" panose="020B0604030504040204" pitchFamily="34" charset="-120"/>
-              </a:rPr>
-              <a:t>有</a:t>
-            </a:r>
-            <a:r>
-              <a:rPr lang="en-US" altLang="zh-TW" dirty="0">
-                <a:ea typeface="微軟正黑體" panose="020B0604030504040204" pitchFamily="34" charset="-120"/>
-              </a:rPr>
-              <a:t>request</a:t>
-            </a:r>
-            <a:r>
-              <a:rPr lang="zh-TW" altLang="en-US" dirty="0">
-                <a:ea typeface="微軟正黑體" panose="020B0604030504040204" pitchFamily="34" charset="-120"/>
-              </a:rPr>
-              <a:t>時</a:t>
-            </a:r>
-            <a:r>
-              <a:rPr lang="en-US" altLang="zh-TW" dirty="0" err="1">
-                <a:ea typeface="微軟正黑體" panose="020B0604030504040204" pitchFamily="34" charset="-120"/>
-              </a:rPr>
-              <a:t>create_pthread</a:t>
-            </a:r>
-            <a:endParaRPr lang="en-US" altLang="zh-TW" dirty="0">
-              <a:ea typeface="微軟正黑體" panose="020B0604030504040204" pitchFamily="34" charset="-120"/>
-            </a:endParaRPr>
-          </a:p>
-        </p:txBody>
-      </p:sp>
-    </p:spTree>
-    <p:extLst>
-      <p:ext uri="{BB962C8B-B14F-4D97-AF65-F5344CB8AC3E}">
-        <p14:creationId xmlns:p14="http://schemas.microsoft.com/office/powerpoint/2010/main" val="2374632491"/>
-      </p:ext>
-    </p:extLst>
-  </p:cSld>
-  <p:clrMapOvr>
-    <a:masterClrMapping/>
-  </p:clrMapOvr>
-</p:sld>
-</file>
-
-<file path=ppt/slides/slide16.xml><?xml version="1.0" encoding="utf-8"?>
-<p:sld xmlns:a="http://schemas.openxmlformats.org/drawingml/2006/main" xmlns:r="http://schemas.openxmlformats.org/officeDocument/2006/relationships" xmlns:p="http://schemas.openxmlformats.org/presentationml/2006/main">
-  <p:cSld>
-    <p:spTree>
-      <p:nvGrpSpPr>
-        <p:cNvPr id="1" name=""/>
-        <p:cNvGrpSpPr/>
-        <p:nvPr/>
-      </p:nvGrpSpPr>
-      <p:grpSpPr>
-        <a:xfrm>
-          <a:off x="0" y="0"/>
-          <a:ext cx="0" cy="0"/>
-          <a:chOff x="0" y="0"/>
-          <a:chExt cx="0" cy="0"/>
-        </a:xfrm>
-      </p:grpSpPr>
-      <p:sp>
-        <p:nvSpPr>
-          <p:cNvPr id="2" name="標題 1"/>
-          <p:cNvSpPr>
-            <a:spLocks noGrp="1"/>
-          </p:cNvSpPr>
-          <p:nvPr>
-            <p:ph type="title"/>
-          </p:nvPr>
-        </p:nvSpPr>
-        <p:spPr/>
-        <p:txBody>
-          <a:bodyPr/>
-          <a:lstStyle/>
-          <a:p>
-            <a:r>
-              <a:rPr lang="en-US" altLang="zh-TW" dirty="0"/>
-              <a:t>Sample code</a:t>
+              <a:t>Sample code 2</a:t>
             </a:r>
             <a:endParaRPr lang="zh-TW" altLang="en-US" dirty="0"/>
           </a:p>
@@ -7675,6 +7491,123 @@
 </p:sld>
 </file>
 
+<file path=ppt/slides/slide16.xml><?xml version="1.0" encoding="utf-8"?>
+<p:sld xmlns:a="http://schemas.openxmlformats.org/drawingml/2006/main" xmlns:r="http://schemas.openxmlformats.org/officeDocument/2006/relationships" xmlns:p="http://schemas.openxmlformats.org/presentationml/2006/main">
+  <p:cSld>
+    <p:spTree>
+      <p:nvGrpSpPr>
+        <p:cNvPr id="1" name=""/>
+        <p:cNvGrpSpPr/>
+        <p:nvPr/>
+      </p:nvGrpSpPr>
+      <p:grpSpPr>
+        <a:xfrm>
+          <a:off x="0" y="0"/>
+          <a:ext cx="0" cy="0"/>
+          <a:chOff x="0" y="0"/>
+          <a:chExt cx="0" cy="0"/>
+        </a:xfrm>
+      </p:grpSpPr>
+      <p:sp>
+        <p:nvSpPr>
+          <p:cNvPr id="3" name="文字版面配置區 2">
+            <a:extLst>
+              <a:ext uri="{FF2B5EF4-FFF2-40B4-BE49-F238E27FC236}">
+                <a16:creationId xmlns:a16="http://schemas.microsoft.com/office/drawing/2014/main" id="{056D2A0B-6623-4E89-BC15-372CB5753DAC}"/>
+              </a:ext>
+            </a:extLst>
+          </p:cNvPr>
+          <p:cNvSpPr>
+            <a:spLocks noGrp="1"/>
+          </p:cNvSpPr>
+          <p:nvPr>
+            <p:ph type="body" sz="quarter" idx="13"/>
+          </p:nvPr>
+        </p:nvSpPr>
+        <p:spPr/>
+        <p:txBody>
+          <a:bodyPr/>
+          <a:lstStyle/>
+          <a:p>
+            <a:pPr marL="0" indent="0" algn="ctr">
+              <a:spcBef>
+                <a:spcPct val="0"/>
+              </a:spcBef>
+              <a:buNone/>
+            </a:pPr>
+            <a:r>
+              <a:rPr lang="zh-TW" altLang="en-US" sz="5400" spc="-120" dirty="0">
+                <a:solidFill>
+                  <a:schemeClr val="accent1"/>
+                </a:solidFill>
+                <a:latin typeface="+mj-lt"/>
+                <a:ea typeface="+mj-ea"/>
+                <a:cs typeface="+mj-cs"/>
+              </a:rPr>
+              <a:t>作業看這邊</a:t>
+            </a:r>
+          </a:p>
+        </p:txBody>
+      </p:sp>
+      <p:sp>
+        <p:nvSpPr>
+          <p:cNvPr id="4" name="箭號: 向下 3">
+            <a:extLst>
+              <a:ext uri="{FF2B5EF4-FFF2-40B4-BE49-F238E27FC236}">
+                <a16:creationId xmlns:a16="http://schemas.microsoft.com/office/drawing/2014/main" id="{CB1B47DB-9C56-44CA-A59B-165EA989A627}"/>
+              </a:ext>
+            </a:extLst>
+          </p:cNvPr>
+          <p:cNvSpPr/>
+          <p:nvPr/>
+        </p:nvSpPr>
+        <p:spPr>
+          <a:xfrm>
+            <a:off x="4917427" y="3862873"/>
+            <a:ext cx="1334278" cy="1847461"/>
+          </a:xfrm>
+          <a:prstGeom prst="downArrow">
+            <a:avLst/>
+          </a:prstGeom>
+        </p:spPr>
+        <p:style>
+          <a:lnRef idx="2">
+            <a:schemeClr val="accent1">
+              <a:shade val="50000"/>
+            </a:schemeClr>
+          </a:lnRef>
+          <a:fillRef idx="1">
+            <a:schemeClr val="accent1"/>
+          </a:fillRef>
+          <a:effectRef idx="0">
+            <a:schemeClr val="accent1"/>
+          </a:effectRef>
+          <a:fontRef idx="minor">
+            <a:schemeClr val="lt1"/>
+          </a:fontRef>
+        </p:style>
+        <p:txBody>
+          <a:bodyPr rtlCol="0" anchor="ctr"/>
+          <a:lstStyle/>
+          <a:p>
+            <a:pPr algn="ctr"/>
+            <a:endParaRPr lang="zh-TW" altLang="en-US"/>
+          </a:p>
+        </p:txBody>
+      </p:sp>
+    </p:spTree>
+    <p:extLst>
+      <p:ext uri="{BB962C8B-B14F-4D97-AF65-F5344CB8AC3E}">
+        <p14:creationId xmlns:p14="http://schemas.microsoft.com/office/powerpoint/2010/main" val="1962695296"/>
+      </p:ext>
+    </p:extLst>
+  </p:cSld>
+  <p:clrMapOvr>
+    <a:masterClrMapping/>
+  </p:clrMapOvr>
+</p:sld>
+</file>
+
 <file path=ppt/slides/slide17.xml><?xml version="1.0" encoding="utf-8"?>
 <p:sld xmlns:a="http://schemas.openxmlformats.org/drawingml/2006/main" xmlns:r="http://schemas.openxmlformats.org/officeDocument/2006/relationships" xmlns:p="http://schemas.openxmlformats.org/presentationml/2006/main">
   <p:cSld>
@@ -7761,6 +7694,18 @@
               <a:rPr lang="zh-TW" altLang="en-US" dirty="0">
                 <a:ea typeface="微軟正黑體" panose="020B0604030504040204" pitchFamily="34" charset="-120"/>
               </a:rPr>
+              <a:t>利用 </a:t>
+            </a:r>
+            <a:r>
+              <a:rPr lang="en-US" altLang="zh-TW" dirty="0">
+                <a:ea typeface="微軟正黑體" panose="020B0604030504040204" pitchFamily="34" charset="-120"/>
+              </a:rPr>
+              <a:t>multicast </a:t>
+            </a:r>
+            <a:r>
+              <a:rPr lang="zh-TW" altLang="en-US" dirty="0">
+                <a:ea typeface="微軟正黑體" panose="020B0604030504040204" pitchFamily="34" charset="-120"/>
+              </a:rPr>
               <a:t>同時傳送檔案給</a:t>
             </a:r>
             <a:r>
@@ -7794,61 +7739,366 @@
               <a:t>(</a:t>
             </a:r>
             <a:r>
+              <a:rPr lang="zh-TW" altLang="en-US" b="1" dirty="0">
+                <a:solidFill>
+                  <a:srgbClr val="FF0000"/>
+                </a:solidFill>
+                <a:ea typeface="微軟正黑體" panose="020B0604030504040204" pitchFamily="34" charset="-120"/>
+              </a:rPr>
+              <a:t>無須利用 </a:t>
+            </a:r>
+            <a:r>
+              <a:rPr lang="en-US" altLang="zh-TW" b="1" dirty="0" err="1">
+                <a:solidFill>
+                  <a:srgbClr val="FF0000"/>
+                </a:solidFill>
+              </a:rPr>
+              <a:t>MultiThread</a:t>
+            </a:r>
+            <a:r>
+              <a:rPr lang="en-US" altLang="zh-TW" b="1" dirty="0">
+                <a:solidFill>
+                  <a:srgbClr val="FF0000"/>
+                </a:solidFill>
+              </a:rPr>
+              <a:t> </a:t>
+            </a:r>
+            <a:r>
+              <a:rPr lang="en-US" altLang="zh-TW" dirty="0">
+                <a:ea typeface="微軟正黑體" panose="020B0604030504040204" pitchFamily="34" charset="-120"/>
+              </a:rPr>
+              <a:t>)</a:t>
+            </a:r>
+          </a:p>
+          <a:p>
+            <a:pPr lvl="1"/>
+            <a:r>
               <a:rPr lang="zh-TW" altLang="en-US" dirty="0">
                 <a:ea typeface="微軟正黑體" panose="020B0604030504040204" pitchFamily="34" charset="-120"/>
               </a:rPr>
-              <a:t>利用 </a:t>
-            </a:r>
-            <a:r>
-              <a:rPr lang="en-US" altLang="zh-TW" dirty="0" err="1"/>
-              <a:t>MultiThread</a:t>
-            </a:r>
-            <a:r>
-              <a:rPr lang="en-US" altLang="zh-TW" dirty="0"/>
+              <a:t>紀錄 </a:t>
+            </a:r>
+            <a:r>
+              <a:rPr lang="en-US" altLang="zh-TW" dirty="0">
+                <a:ea typeface="微軟正黑體" panose="020B0604030504040204" pitchFamily="34" charset="-120"/>
+              </a:rPr>
+              <a:t>client </a:t>
+            </a:r>
+            <a:r>
+              <a:rPr lang="zh-TW" altLang="en-US" dirty="0">
+                <a:ea typeface="微軟正黑體" panose="020B0604030504040204" pitchFamily="34" charset="-120"/>
+              </a:rPr>
+              <a:t>和 </a:t>
+            </a:r>
+            <a:r>
+              <a:rPr lang="en-US" altLang="zh-TW" dirty="0">
+                <a:ea typeface="微軟正黑體" panose="020B0604030504040204" pitchFamily="34" charset="-120"/>
+              </a:rPr>
+              <a:t>server </a:t>
+            </a:r>
+            <a:r>
+              <a:rPr lang="zh-TW" altLang="en-US" dirty="0">
+                <a:ea typeface="微軟正黑體" panose="020B0604030504040204" pitchFamily="34" charset="-120"/>
+              </a:rPr>
+              <a:t>連線及傳輸檔案的過程 </a:t>
+            </a:r>
+            <a:r>
+              <a:rPr lang="en-US" altLang="zh-TW" dirty="0">
+                <a:ea typeface="微軟正黑體" panose="020B0604030504040204" pitchFamily="34" charset="-120"/>
+              </a:rPr>
+              <a:t>(</a:t>
+            </a:r>
+            <a:r>
+              <a:rPr lang="zh-TW" altLang="en-US" dirty="0">
+                <a:ea typeface="微軟正黑體" panose="020B0604030504040204" pitchFamily="34" charset="-120"/>
+              </a:rPr>
+              <a:t>請將截圖附在</a:t>
+            </a:r>
+            <a:r>
+              <a:rPr lang="en-US" altLang="zh-TW" dirty="0">
+                <a:ea typeface="微軟正黑體" panose="020B0604030504040204" pitchFamily="34" charset="-120"/>
+              </a:rPr>
+              <a:t>ppt</a:t>
+            </a:r>
+            <a:r>
+              <a:rPr lang="zh-TW" altLang="en-US" dirty="0">
+                <a:ea typeface="微軟正黑體" panose="020B0604030504040204" pitchFamily="34" charset="-120"/>
+              </a:rPr>
+              <a:t>裡</a:t>
+            </a:r>
+            <a:r>
+              <a:rPr lang="en-US" altLang="zh-TW" dirty="0">
+                <a:ea typeface="微軟正黑體" panose="020B0604030504040204" pitchFamily="34" charset="-120"/>
+              </a:rPr>
+              <a:t>)</a:t>
+            </a:r>
+          </a:p>
+          <a:p>
+            <a:pPr lvl="2"/>
+            <a:r>
+              <a:rPr lang="zh-TW" altLang="en-US" sz="1800" dirty="0">
+                <a:ea typeface="微軟正黑體" panose="020B0604030504040204" pitchFamily="34" charset="-120"/>
+              </a:rPr>
+              <a:t>須包含傳輸的畫面 </a:t>
+            </a:r>
+            <a:r>
+              <a:rPr lang="en-US" altLang="zh-TW" sz="1800" dirty="0">
+                <a:ea typeface="微軟正黑體" panose="020B0604030504040204" pitchFamily="34" charset="-120"/>
+              </a:rPr>
+              <a:t>(4</a:t>
+            </a:r>
+            <a:r>
+              <a:rPr lang="zh-TW" altLang="en-US" sz="1800" dirty="0">
+                <a:ea typeface="微軟正黑體" panose="020B0604030504040204" pitchFamily="34" charset="-120"/>
+              </a:rPr>
+              <a:t>個</a:t>
+            </a:r>
+            <a:r>
+              <a:rPr lang="en-US" altLang="zh-TW" sz="1800" dirty="0">
+                <a:ea typeface="微軟正黑體" panose="020B0604030504040204" pitchFamily="34" charset="-120"/>
+              </a:rPr>
               <a:t> </a:t>
             </a:r>
             <a:r>
-              <a:rPr lang="en-US" altLang="zh-TW" dirty="0">
+              <a:rPr lang="en-US" altLang="zh-TW" sz="1800" dirty="0" err="1">
+                <a:ea typeface="微軟正黑體" panose="020B0604030504040204" pitchFamily="34" charset="-120"/>
+              </a:rPr>
+              <a:t>cmd</a:t>
+            </a:r>
+            <a:r>
+              <a:rPr lang="en-US" altLang="zh-TW" sz="1800" dirty="0">
                 <a:ea typeface="微軟正黑體" panose="020B0604030504040204" pitchFamily="34" charset="-120"/>
               </a:rPr>
               <a:t>)</a:t>
             </a:r>
           </a:p>
           <a:p>
-            <a:pPr lvl="1"/>
-            <a:r>
-              <a:rPr lang="zh-TW" altLang="en-US" dirty="0">
-                <a:ea typeface="微軟正黑體" panose="020B0604030504040204" pitchFamily="34" charset="-120"/>
-              </a:rPr>
-              <a:t>紀錄 </a:t>
-            </a:r>
-            <a:r>
-              <a:rPr lang="en-US" altLang="zh-TW" dirty="0">
-                <a:ea typeface="微軟正黑體" panose="020B0604030504040204" pitchFamily="34" charset="-120"/>
-              </a:rPr>
-              <a:t>client </a:t>
-            </a:r>
-            <a:r>
-              <a:rPr lang="zh-TW" altLang="en-US" dirty="0">
+            <a:pPr lvl="2"/>
+            <a:r>
+              <a:rPr lang="en-US" altLang="zh-TW" sz="1800" dirty="0">
+                <a:ea typeface="微軟正黑體" panose="020B0604030504040204" pitchFamily="34" charset="-120"/>
+              </a:rPr>
+              <a:t>Client </a:t>
+            </a:r>
+            <a:r>
+              <a:rPr lang="zh-TW" altLang="en-US" sz="1800" dirty="0">
                 <a:ea typeface="微軟正黑體" panose="020B0604030504040204" pitchFamily="34" charset="-120"/>
               </a:rPr>
               <a:t>和 </a:t>
             </a:r>
             <a:r>
-              <a:rPr lang="en-US" altLang="zh-TW" dirty="0">
+              <a:rPr lang="en-US" altLang="zh-TW" sz="1800" dirty="0">
                 <a:ea typeface="微軟正黑體" panose="020B0604030504040204" pitchFamily="34" charset="-120"/>
               </a:rPr>
               <a:t>server </a:t>
             </a:r>
             <a:r>
-              <a:rPr lang="zh-TW" altLang="en-US" dirty="0">
-                <a:ea typeface="微軟正黑體" panose="020B0604030504040204" pitchFamily="34" charset="-120"/>
-              </a:rPr>
-              <a:t>連線及傳輸檔案的過程</a:t>
-            </a:r>
-            <a:endParaRPr lang="en-US" altLang="zh-TW" dirty="0">
+              <a:rPr lang="zh-TW" altLang="en-US" sz="1800" dirty="0">
+                <a:ea typeface="微軟正黑體" panose="020B0604030504040204" pitchFamily="34" charset="-120"/>
+              </a:rPr>
+              <a:t>須包含接收到的</a:t>
+            </a:r>
+            <a:r>
+              <a:rPr lang="zh-TW" altLang="en-US" sz="1800" b="1" dirty="0">
+                <a:solidFill>
+                  <a:srgbClr val="FF0000"/>
+                </a:solidFill>
+                <a:ea typeface="微軟正黑體" panose="020B0604030504040204" pitchFamily="34" charset="-120"/>
+              </a:rPr>
+              <a:t>檔案大小</a:t>
+            </a:r>
+            <a:endParaRPr lang="en-US" altLang="zh-TW" sz="1800" b="1" dirty="0">
+              <a:solidFill>
+                <a:srgbClr val="FF0000"/>
+              </a:solidFill>
               <a:ea typeface="微軟正黑體" panose="020B0604030504040204" pitchFamily="34" charset="-120"/>
             </a:endParaRPr>
+          </a:p>
+          <a:p>
+            <a:pPr lvl="1"/>
+            <a:r>
+              <a:rPr lang="zh-TW" altLang="en-US" dirty="0">
+                <a:ea typeface="微軟正黑體" panose="020B0604030504040204" pitchFamily="34" charset="-120"/>
+              </a:rPr>
+              <a:t>輸入格式如下</a:t>
+            </a:r>
+            <a:r>
+              <a:rPr lang="en-US" altLang="zh-TW" dirty="0">
+                <a:ea typeface="微軟正黑體" panose="020B0604030504040204" pitchFamily="34" charset="-120"/>
+              </a:rPr>
+              <a:t>,</a:t>
+            </a:r>
+            <a:r>
+              <a:rPr lang="zh-TW" altLang="en-US" b="1" dirty="0">
+                <a:solidFill>
+                  <a:srgbClr val="FF0000"/>
+                </a:solidFill>
+                <a:ea typeface="微軟正黑體" panose="020B0604030504040204" pitchFamily="34" charset="-120"/>
+              </a:rPr>
+              <a:t>請將 </a:t>
+            </a:r>
+            <a:r>
+              <a:rPr lang="en-US" altLang="zh-TW" b="1" dirty="0">
+                <a:solidFill>
+                  <a:srgbClr val="FF0000"/>
+                </a:solidFill>
+                <a:ea typeface="微軟正黑體" panose="020B0604030504040204" pitchFamily="34" charset="-120"/>
+              </a:rPr>
+              <a:t>client </a:t>
+            </a:r>
+            <a:r>
+              <a:rPr lang="zh-TW" altLang="en-US" b="1" dirty="0">
+                <a:solidFill>
+                  <a:srgbClr val="FF0000"/>
+                </a:solidFill>
+                <a:ea typeface="微軟正黑體" panose="020B0604030504040204" pitchFamily="34" charset="-120"/>
+              </a:rPr>
+              <a:t>和 </a:t>
+            </a:r>
+            <a:r>
+              <a:rPr lang="en-US" altLang="zh-TW" b="1" dirty="0">
+                <a:solidFill>
+                  <a:srgbClr val="FF0000"/>
+                </a:solidFill>
+                <a:ea typeface="微軟正黑體" panose="020B0604030504040204" pitchFamily="34" charset="-120"/>
+              </a:rPr>
+              <a:t>server</a:t>
+            </a:r>
+            <a:r>
+              <a:rPr lang="zh-TW" altLang="en-US" b="1" dirty="0">
+                <a:solidFill>
+                  <a:srgbClr val="FF0000"/>
+                </a:solidFill>
+                <a:ea typeface="微軟正黑體" panose="020B0604030504040204" pitchFamily="34" charset="-120"/>
+              </a:rPr>
+              <a:t> 分成兩個 </a:t>
+            </a:r>
+            <a:r>
+              <a:rPr lang="en-US" altLang="zh-TW" b="1" dirty="0">
+                <a:solidFill>
+                  <a:srgbClr val="FF0000"/>
+                </a:solidFill>
+                <a:ea typeface="微軟正黑體" panose="020B0604030504040204" pitchFamily="34" charset="-120"/>
+              </a:rPr>
+              <a:t>file</a:t>
+            </a:r>
+          </a:p>
+          <a:p>
+            <a:pPr lvl="2">
+              <a:buFont typeface="Arial" panose="020B0604020202020204" pitchFamily="34" charset="0"/>
+              <a:buChar char="•"/>
+            </a:pPr>
+            <a:r>
+              <a:rPr lang="en-US" altLang="zh-TW" sz="2000" dirty="0">
+                <a:ea typeface="微軟正黑體" panose="020B0604030504040204" pitchFamily="34" charset="-120"/>
+              </a:rPr>
+              <a:t>$</a:t>
+            </a:r>
+            <a:r>
+              <a:rPr lang="en-US" altLang="zh-TW" sz="2000" dirty="0" err="1">
+                <a:ea typeface="微軟正黑體" panose="020B0604030504040204" pitchFamily="34" charset="-120"/>
+              </a:rPr>
+              <a:t>gcc</a:t>
+            </a:r>
+            <a:r>
+              <a:rPr lang="en-US" altLang="zh-TW" sz="2000" dirty="0">
+                <a:ea typeface="微軟正黑體" panose="020B0604030504040204" pitchFamily="34" charset="-120"/>
+              </a:rPr>
+              <a:t> </a:t>
+            </a:r>
+            <a:r>
+              <a:rPr lang="en-US" altLang="zh-TW" sz="2000" dirty="0" err="1">
+                <a:ea typeface="微軟正黑體" panose="020B0604030504040204" pitchFamily="34" charset="-120"/>
+              </a:rPr>
+              <a:t>multicast_server.c</a:t>
+            </a:r>
+            <a:r>
+              <a:rPr lang="en-US" altLang="zh-TW" sz="2000" dirty="0">
+                <a:ea typeface="微軟正黑體" panose="020B0604030504040204" pitchFamily="34" charset="-120"/>
+              </a:rPr>
+              <a:t> –o server</a:t>
+            </a:r>
+          </a:p>
+          <a:p>
+            <a:pPr lvl="2">
+              <a:buFont typeface="Arial" panose="020B0604020202020204" pitchFamily="34" charset="0"/>
+              <a:buChar char="•"/>
+            </a:pPr>
+            <a:r>
+              <a:rPr lang="en-US" altLang="zh-TW" sz="2000" dirty="0">
+                <a:ea typeface="微軟正黑體" panose="020B0604030504040204" pitchFamily="34" charset="-120"/>
+              </a:rPr>
+              <a:t>$</a:t>
+            </a:r>
+            <a:r>
+              <a:rPr lang="en-US" altLang="zh-TW" sz="2000" dirty="0" err="1">
+                <a:ea typeface="微軟正黑體" panose="020B0604030504040204" pitchFamily="34" charset="-120"/>
+              </a:rPr>
+              <a:t>gcc</a:t>
+            </a:r>
+            <a:r>
+              <a:rPr lang="en-US" altLang="zh-TW" sz="2000" dirty="0">
+                <a:ea typeface="微軟正黑體" panose="020B0604030504040204" pitchFamily="34" charset="-120"/>
+              </a:rPr>
+              <a:t> </a:t>
+            </a:r>
+            <a:r>
+              <a:rPr lang="en-US" altLang="zh-TW" sz="2000" dirty="0" err="1">
+                <a:ea typeface="微軟正黑體" panose="020B0604030504040204" pitchFamily="34" charset="-120"/>
+              </a:rPr>
+              <a:t>multicast_client.c</a:t>
+            </a:r>
+            <a:r>
+              <a:rPr lang="en-US" altLang="zh-TW" sz="2000" dirty="0">
+                <a:ea typeface="微軟正黑體" panose="020B0604030504040204" pitchFamily="34" charset="-120"/>
+              </a:rPr>
+              <a:t> –o client</a:t>
+            </a:r>
+          </a:p>
+          <a:p>
+            <a:pPr lvl="2">
+              <a:buFont typeface="Arial" panose="020B0604020202020204" pitchFamily="34" charset="0"/>
+              <a:buChar char="•"/>
+            </a:pPr>
+            <a:r>
+              <a:rPr lang="en-US" altLang="zh-TW" sz="2000" dirty="0">
+                <a:ea typeface="微軟正黑體" panose="020B0604030504040204" pitchFamily="34" charset="-120"/>
+              </a:rPr>
+              <a:t>$./client</a:t>
+            </a:r>
+            <a:r>
+              <a:rPr lang="zh-TW" altLang="en-US" sz="2000" dirty="0">
+                <a:ea typeface="微軟正黑體" panose="020B0604030504040204" pitchFamily="34" charset="-120"/>
+              </a:rPr>
+              <a:t> </a:t>
+            </a:r>
+            <a:endParaRPr lang="en-US" altLang="zh-TW" sz="2000" dirty="0">
+              <a:ea typeface="微軟正黑體" panose="020B0604030504040204" pitchFamily="34" charset="-120"/>
+            </a:endParaRPr>
+          </a:p>
+          <a:p>
+            <a:pPr lvl="2">
+              <a:buFont typeface="Arial" panose="020B0604020202020204" pitchFamily="34" charset="0"/>
+              <a:buChar char="•"/>
+            </a:pPr>
+            <a:r>
+              <a:rPr lang="en-US" altLang="zh-TW" sz="2000" dirty="0">
+                <a:ea typeface="微軟正黑體" panose="020B0604030504040204" pitchFamily="34" charset="-120"/>
+              </a:rPr>
+              <a:t>$./server</a:t>
+            </a:r>
+            <a:r>
+              <a:rPr lang="zh-TW" altLang="en-US" sz="2000" dirty="0">
+                <a:ea typeface="微軟正黑體" panose="020B0604030504040204" pitchFamily="34" charset="-120"/>
+              </a:rPr>
+              <a:t> </a:t>
+            </a:r>
+            <a:r>
+              <a:rPr lang="en-US" altLang="zh-TW" sz="2000" dirty="0">
+                <a:ea typeface="微軟正黑體" panose="020B0604030504040204" pitchFamily="34" charset="-120"/>
+              </a:rPr>
+              <a:t>filename</a:t>
+            </a:r>
           </a:p>
           <a:p>
             <a:pPr lvl="1"/>
@@ -7857,6 +8107,12 @@
             </a:endParaRPr>
           </a:p>
           <a:p>
+            <a:pPr lvl="1"/>
+            <a:endParaRPr lang="en-US" altLang="zh-TW" dirty="0">
+              <a:ea typeface="微軟正黑體" panose="020B0604030504040204" pitchFamily="34" charset="-120"/>
+            </a:endParaRPr>
+          </a:p>
+          <a:p>
             <a:endParaRPr lang="en-US" altLang="zh-TW" dirty="0">
               <a:ea typeface="微軟正黑體" panose="020B0604030504040204" pitchFamily="34" charset="-120"/>
             </a:endParaRPr>
@@ -7875,10 +8131,10 @@
       </p:sp>
       <p:pic>
         <p:nvPicPr>
-          <p:cNvPr id="5" name="圖片 4">
+          <p:cNvPr id="6" name="圖片 5">
             <a:extLst>
               <a:ext uri="{FF2B5EF4-FFF2-40B4-BE49-F238E27FC236}">
-                <a16:creationId xmlns:a16="http://schemas.microsoft.com/office/drawing/2014/main" id="{4AAD0E98-6169-45B0-BFBD-724D93AAA279}"/>
+                <a16:creationId xmlns:a16="http://schemas.microsoft.com/office/drawing/2014/main" id="{E99C7624-2B0B-4078-BF6A-47CF6C503015}"/>
               </a:ext>
             </a:extLst>
           </p:cNvPr>
@@ -7895,8 +8151,116 @@
         </p:blipFill>
         <p:spPr>
           <a:xfrm>
-            <a:off x="2303077" y="3429000"/>
-            <a:ext cx="4228351" cy="2734502"/>
+            <a:off x="5170215" y="5629541"/>
+            <a:ext cx="2772162" cy="1086002"/>
+          </a:xfrm>
+          <a:prstGeom prst="rect">
+            <a:avLst/>
+          </a:prstGeom>
+        </p:spPr>
+      </p:pic>
+      <p:sp>
+        <p:nvSpPr>
+          <p:cNvPr id="11" name="文字方塊 10">
+            <a:extLst>
+              <a:ext uri="{FF2B5EF4-FFF2-40B4-BE49-F238E27FC236}">
+                <a16:creationId xmlns:a16="http://schemas.microsoft.com/office/drawing/2014/main" id="{C0FF49C6-1661-464F-9068-427F3D510A0F}"/>
+              </a:ext>
+            </a:extLst>
+          </p:cNvPr>
+          <p:cNvSpPr txBox="1"/>
+          <p:nvPr/>
+        </p:nvSpPr>
+        <p:spPr>
+          <a:xfrm>
+            <a:off x="5610097" y="5122100"/>
+            <a:ext cx="1892398" cy="369332"/>
+          </a:xfrm>
+          <a:prstGeom prst="rect">
+            <a:avLst/>
+          </a:prstGeom>
+          <a:noFill/>
+        </p:spPr>
+        <p:txBody>
+          <a:bodyPr wrap="square" rtlCol="0">
+            <a:spAutoFit/>
+          </a:bodyPr>
+          <a:lstStyle/>
+          <a:p>
+            <a:r>
+              <a:rPr lang="en-US" altLang="zh-TW" dirty="0"/>
+              <a:t>client</a:t>
+            </a:r>
+            <a:r>
+              <a:rPr lang="zh-TW" altLang="en-US" dirty="0"/>
+              <a:t>參考格式</a:t>
+            </a:r>
+          </a:p>
+        </p:txBody>
+      </p:sp>
+      <p:sp>
+        <p:nvSpPr>
+          <p:cNvPr id="12" name="文字方塊 11">
+            <a:extLst>
+              <a:ext uri="{FF2B5EF4-FFF2-40B4-BE49-F238E27FC236}">
+                <a16:creationId xmlns:a16="http://schemas.microsoft.com/office/drawing/2014/main" id="{B60CFBAF-F7F2-4AB8-8230-3C8F5A74F1F0}"/>
+              </a:ext>
+            </a:extLst>
+          </p:cNvPr>
+          <p:cNvSpPr txBox="1"/>
+          <p:nvPr/>
+        </p:nvSpPr>
+        <p:spPr>
+          <a:xfrm>
+            <a:off x="9017073" y="5003366"/>
+            <a:ext cx="1892398" cy="369332"/>
+          </a:xfrm>
+          <a:prstGeom prst="rect">
+            <a:avLst/>
+          </a:prstGeom>
+          <a:noFill/>
+        </p:spPr>
+        <p:txBody>
+          <a:bodyPr wrap="square" rtlCol="0">
+            <a:spAutoFit/>
+          </a:bodyPr>
+          <a:lstStyle/>
+          <a:p>
+            <a:r>
+              <a:rPr lang="en-US" altLang="zh-TW" dirty="0"/>
+              <a:t>Server </a:t>
+            </a:r>
+            <a:r>
+              <a:rPr lang="zh-TW" altLang="en-US" dirty="0"/>
+              <a:t>參考格式</a:t>
+            </a:r>
+          </a:p>
+        </p:txBody>
+      </p:sp>
+      <p:pic>
+        <p:nvPicPr>
+          <p:cNvPr id="16" name="圖片 15">
+            <a:extLst>
+              <a:ext uri="{FF2B5EF4-FFF2-40B4-BE49-F238E27FC236}">
+                <a16:creationId xmlns:a16="http://schemas.microsoft.com/office/drawing/2014/main" id="{E7041964-A92D-4C3F-96C4-0C1FCC15B4F1}"/>
+              </a:ext>
+            </a:extLst>
+          </p:cNvPr>
+          <p:cNvPicPr>
+            <a:picLocks noChangeAspect="1"/>
+          </p:cNvPicPr>
+          <p:nvPr/>
+        </p:nvPicPr>
+        <p:blipFill>
+          <a:blip r:embed="rId3"/>
+          <a:stretch>
+            <a:fillRect/>
+          </a:stretch>
+        </p:blipFill>
+        <p:spPr>
+          <a:xfrm>
+            <a:off x="8614902" y="5710699"/>
+            <a:ext cx="2886478" cy="666843"/>
           </a:xfrm>
           <a:prstGeom prst="rect">
             <a:avLst/>
@@ -7977,11 +8341,26 @@
             <p:ph type="body" sz="quarter" idx="13"/>
           </p:nvPr>
         </p:nvSpPr>
-        <p:spPr/>
+        <p:spPr>
+          <a:xfrm>
+            <a:off x="1110991" y="2064350"/>
+            <a:ext cx="9413940" cy="4200525"/>
+          </a:xfrm>
+        </p:spPr>
         <p:txBody>
           <a:bodyPr/>
           <a:lstStyle/>
           <a:p>
+            <a:pPr marL="349200" indent="-457200">
+              <a:buFont typeface="+mj-lt"/>
+              <a:buAutoNum type="arabicPeriod"/>
+            </a:pPr>
+            <a:r>
+              <a:rPr lang="zh-TW" altLang="en-US" dirty="0">
+                <a:ea typeface="微軟正黑體" panose="020B0604030504040204" pitchFamily="34" charset="-120"/>
+              </a:rPr>
+              <a:t>請用 </a:t>
+            </a:r>
             <a:r>
               <a:rPr lang="en-US" altLang="zh-TW" dirty="0">
                 <a:ea typeface="微軟正黑體" panose="020B0604030504040204" pitchFamily="34" charset="-120"/>
@@ -7999,6 +8378,10 @@
             </a:endParaRPr>
           </a:p>
           <a:p>
+            <a:pPr marL="349200" indent="-457200">
+              <a:buFont typeface="+mj-lt"/>
+              <a:buAutoNum type="arabicPeriod"/>
+            </a:pPr>
             <a:r>
               <a:rPr lang="zh-TW" altLang="en-US" dirty="0">
                 <a:ea typeface="微軟正黑體" panose="020B0604030504040204" pitchFamily="34" charset="-120"/>
@@ -8057,80 +8440,115 @@
               <a:rPr lang="zh-TW" altLang="en-US" dirty="0">
                 <a:ea typeface="微軟正黑體" panose="020B0604030504040204" pitchFamily="34" charset="-120"/>
               </a:rPr>
-              <a:t>檔</a:t>
-            </a:r>
-            <a:endParaRPr lang="en-US" altLang="zh-TW" dirty="0">
-              <a:ea typeface="微軟正黑體" panose="020B0604030504040204" pitchFamily="34" charset="-120"/>
-            </a:endParaRPr>
-          </a:p>
-          <a:p>
+              <a:t>檔，</a:t>
+            </a:r>
+            <a:r>
+              <a:rPr lang="en-US" altLang="zh-TW" dirty="0">
+                <a:ea typeface="微軟正黑體" panose="020B0604030504040204" pitchFamily="34" charset="-120"/>
+              </a:rPr>
+              <a:t> </a:t>
+            </a:r>
             <a:r>
               <a:rPr lang="zh-TW" altLang="en-US" dirty="0">
                 <a:ea typeface="微軟正黑體" panose="020B0604030504040204" pitchFamily="34" charset="-120"/>
               </a:rPr>
-              <a:t>將檔案和報告書壓縮</a:t>
+              <a:t>無須壓縮， </a:t>
             </a:r>
             <a:r>
               <a:rPr lang="en-US" altLang="zh-TW" dirty="0">
                 <a:ea typeface="微軟正黑體" panose="020B0604030504040204" pitchFamily="34" charset="-120"/>
               </a:rPr>
+              <a:t>ppt</a:t>
+            </a:r>
+            <a:r>
+              <a:rPr lang="zh-TW" altLang="en-US" dirty="0">
+                <a:ea typeface="微軟正黑體" panose="020B0604030504040204" pitchFamily="34" charset="-120"/>
+              </a:rPr>
+              <a:t>檔名用自己的學號加上編號命名</a:t>
+            </a:r>
+            <a:r>
+              <a:rPr lang="en-US" altLang="zh-TW" dirty="0">
+                <a:ea typeface="微軟正黑體" panose="020B0604030504040204" pitchFamily="34" charset="-120"/>
+              </a:rPr>
+              <a:t>, Ex: P76091705_lab2</a:t>
+            </a:r>
+          </a:p>
+          <a:p>
+            <a:pPr marL="349200" indent="-457200">
+              <a:buFont typeface="+mj-lt"/>
+              <a:buAutoNum type="arabicPeriod"/>
+            </a:pPr>
+            <a:r>
+              <a:rPr lang="en-US" altLang="zh-TW" dirty="0">
+                <a:ea typeface="微軟正黑體" panose="020B0604030504040204" pitchFamily="34" charset="-120"/>
+              </a:rPr>
+              <a:t>DUE</a:t>
+            </a:r>
+            <a:r>
+              <a:rPr lang="zh-TW" altLang="en-US" dirty="0">
+                <a:ea typeface="微軟正黑體" panose="020B0604030504040204" pitchFamily="34" charset="-120"/>
+              </a:rPr>
+              <a:t> </a:t>
+            </a:r>
+            <a:r>
+              <a:rPr lang="en-US" altLang="zh-TW" dirty="0">
+                <a:ea typeface="微軟正黑體" panose="020B0604030504040204" pitchFamily="34" charset="-120"/>
+              </a:rPr>
+              <a:t>:</a:t>
+            </a:r>
+            <a:r>
+              <a:rPr lang="zh-TW" altLang="en-US" dirty="0">
+                <a:ea typeface="微軟正黑體" panose="020B0604030504040204" pitchFamily="34" charset="-120"/>
+              </a:rPr>
+              <a:t> </a:t>
+            </a:r>
+            <a:r>
+              <a:rPr lang="en-US" altLang="zh-TW" dirty="0">
+                <a:ea typeface="微軟正黑體" panose="020B0604030504040204" pitchFamily="34" charset="-120"/>
+              </a:rPr>
+              <a:t>2021. 5. 4. 23:59</a:t>
+            </a:r>
+          </a:p>
+          <a:p>
+            <a:pPr marL="349200" indent="-457200">
+              <a:buFont typeface="+mj-lt"/>
+              <a:buAutoNum type="arabicPeriod"/>
+            </a:pPr>
+            <a:r>
+              <a:rPr lang="zh-TW" altLang="en-US" dirty="0">
+                <a:ea typeface="微軟正黑體" panose="020B0604030504040204" pitchFamily="34" charset="-120"/>
+              </a:rPr>
+              <a:t>遲交一天扣</a:t>
+            </a:r>
+            <a:r>
+              <a:rPr lang="en-US" altLang="zh-TW" dirty="0">
+                <a:ea typeface="微軟正黑體" panose="020B0604030504040204" pitchFamily="34" charset="-120"/>
+              </a:rPr>
+              <a:t>10</a:t>
+            </a:r>
+            <a:r>
+              <a:rPr lang="zh-TW" altLang="en-US" dirty="0">
+                <a:ea typeface="微軟正黑體" panose="020B0604030504040204" pitchFamily="34" charset="-120"/>
+              </a:rPr>
+              <a:t>分</a:t>
+            </a:r>
+            <a:r>
+              <a:rPr lang="en-US" altLang="zh-TW" dirty="0">
+                <a:ea typeface="微軟正黑體" panose="020B0604030504040204" pitchFamily="34" charset="-120"/>
+              </a:rPr>
               <a:t>,</a:t>
             </a:r>
             <a:r>
               <a:rPr lang="zh-TW" altLang="en-US" dirty="0">
                 <a:ea typeface="微軟正黑體" panose="020B0604030504040204" pitchFamily="34" charset="-120"/>
               </a:rPr>
-              <a:t> 檔名用自己的學號加上編號命名</a:t>
-            </a:r>
-            <a:endParaRPr lang="en-US" altLang="zh-TW" dirty="0">
-              <a:ea typeface="微軟正黑體" panose="020B0604030504040204" pitchFamily="34" charset="-120"/>
-            </a:endParaRPr>
-          </a:p>
-          <a:p>
-            <a:pPr lvl="1"/>
-            <a:r>
-              <a:rPr lang="zh-TW" altLang="en-US" dirty="0">
+              <a:t> 過一個禮拜後不收補交作業</a:t>
+            </a:r>
+            <a:r>
+              <a:rPr lang="en-US" altLang="zh-TW" dirty="0">
                 <a:ea typeface="微軟正黑體" panose="020B0604030504040204" pitchFamily="34" charset="-120"/>
               </a:rPr>
               <a:t> </a:t>
-            </a:r>
-            <a:r>
-              <a:rPr lang="en-US" altLang="zh-TW" dirty="0">
-                <a:ea typeface="微軟正黑體" panose="020B0604030504040204" pitchFamily="34" charset="-120"/>
-              </a:rPr>
-              <a:t>P76091705_lab2.zip</a:t>
-            </a:r>
-          </a:p>
-          <a:p>
-            <a:r>
-              <a:rPr lang="en-US" altLang="zh-TW" dirty="0">
-                <a:ea typeface="微軟正黑體" panose="020B0604030504040204" pitchFamily="34" charset="-120"/>
-              </a:rPr>
-              <a:t>DUE</a:t>
-            </a:r>
-            <a:r>
-              <a:rPr lang="zh-TW" altLang="en-US" dirty="0">
-                <a:ea typeface="微軟正黑體" panose="020B0604030504040204" pitchFamily="34" charset="-120"/>
-              </a:rPr>
-              <a:t> </a:t>
-            </a:r>
-            <a:r>
-              <a:rPr lang="en-US" altLang="zh-TW" dirty="0">
-                <a:ea typeface="微軟正黑體" panose="020B0604030504040204" pitchFamily="34" charset="-120"/>
-              </a:rPr>
-              <a:t>:</a:t>
-            </a:r>
-            <a:r>
-              <a:rPr lang="zh-TW" altLang="en-US" dirty="0">
-                <a:ea typeface="微軟正黑體" panose="020B0604030504040204" pitchFamily="34" charset="-120"/>
-              </a:rPr>
-              <a:t> </a:t>
-            </a:r>
-            <a:r>
-              <a:rPr lang="en-US" altLang="zh-TW" dirty="0">
-                <a:ea typeface="微軟正黑體" panose="020B0604030504040204" pitchFamily="34" charset="-120"/>
-              </a:rPr>
-              <a:t>2021. 5. 4. 23:59</a:t>
             </a:r>
           </a:p>
           <a:p>
@@ -8305,11 +8723,10 @@
           <a:lstStyle/>
           <a:p>
             <a:r>
-              <a:rPr lang="zh-TW" altLang="en-US" dirty="0">
-                <a:ea typeface="微軟正黑體" panose="020B0604030504040204" pitchFamily="34" charset="-120"/>
-              </a:rPr>
-              <a:t>可以用的工具</a:t>
-            </a:r>
+              <a:rPr lang="en-US" altLang="zh-TW" dirty="0"/>
+              <a:t>Goal</a:t>
+            </a:r>
+            <a:endParaRPr lang="zh-TW" altLang="en-US" dirty="0"/>
           </a:p>
         </p:txBody>
       </p:sp>
@@ -8329,115 +8746,6 @@
           <a:lstStyle/>
           <a:p>
             <a:r>
-              <a:rPr lang="en-US" altLang="zh-TW" dirty="0"/>
-              <a:t>C, C++, C#, Java</a:t>
-            </a:r>
-            <a:r>
-              <a:rPr lang="zh-TW" altLang="en-US" dirty="0"/>
-              <a:t> 的</a:t>
-            </a:r>
-            <a:r>
-              <a:rPr lang="en-US" altLang="zh-TW" dirty="0"/>
-              <a:t>socket </a:t>
-            </a:r>
-            <a:r>
-              <a:rPr lang="en-US" altLang="zh-TW" dirty="0" err="1"/>
-              <a:t>api</a:t>
-            </a:r>
-            <a:r>
-              <a:rPr lang="zh-TW" altLang="en-US" dirty="0"/>
-              <a:t>都可以用</a:t>
-            </a:r>
-            <a:endParaRPr lang="en-US" altLang="zh-TW" dirty="0"/>
-          </a:p>
-          <a:p>
-            <a:r>
-              <a:rPr lang="en-US" altLang="zh-TW" dirty="0"/>
-              <a:t>“</a:t>
-            </a:r>
-            <a:r>
-              <a:rPr lang="zh-TW" altLang="en-US" dirty="0"/>
-              <a:t>不能用人家包好的連線工具</a:t>
-            </a:r>
-            <a:r>
-              <a:rPr lang="en-US" altLang="zh-TW" dirty="0"/>
-              <a:t>”</a:t>
-            </a:r>
-          </a:p>
-          <a:p>
-            <a:endParaRPr lang="zh-TW" altLang="en-US" dirty="0"/>
-          </a:p>
-        </p:txBody>
-      </p:sp>
-    </p:spTree>
-    <p:extLst>
-      <p:ext uri="{BB962C8B-B14F-4D97-AF65-F5344CB8AC3E}">
-        <p14:creationId xmlns:p14="http://schemas.microsoft.com/office/powerpoint/2010/main" val="1410865143"/>
-      </p:ext>
-    </p:extLst>
-  </p:cSld>
-  <p:clrMapOvr>
-    <a:masterClrMapping/>
-  </p:clrMapOvr>
-</p:sld>
-</file>
-
-<file path=ppt/slides/slide3.xml><?xml version="1.0" encoding="utf-8"?>
-<p:sld xmlns:a="http://schemas.openxmlformats.org/drawingml/2006/main" xmlns:r="http://schemas.openxmlformats.org/officeDocument/2006/relationships" xmlns:p="http://schemas.openxmlformats.org/presentationml/2006/main">
-  <p:cSld>
-    <p:spTree>
-      <p:nvGrpSpPr>
-        <p:cNvPr id="1" name=""/>
-        <p:cNvGrpSpPr/>
-        <p:nvPr/>
-      </p:nvGrpSpPr>
-      <p:grpSpPr>
-        <a:xfrm>
-          <a:off x="0" y="0"/>
-          <a:ext cx="0" cy="0"/>
-          <a:chOff x="0" y="0"/>
-          <a:chExt cx="0" cy="0"/>
-        </a:xfrm>
-      </p:grpSpPr>
-      <p:sp>
-        <p:nvSpPr>
-          <p:cNvPr id="2" name="標題 1"/>
-          <p:cNvSpPr>
-            <a:spLocks noGrp="1"/>
-          </p:cNvSpPr>
-          <p:nvPr>
-            <p:ph type="title"/>
-          </p:nvPr>
-        </p:nvSpPr>
-        <p:spPr/>
-        <p:txBody>
-          <a:bodyPr/>
-          <a:lstStyle/>
-          <a:p>
-            <a:r>
-              <a:rPr lang="en-US" altLang="zh-TW" dirty="0"/>
-              <a:t>Goal</a:t>
-            </a:r>
-            <a:endParaRPr lang="zh-TW" altLang="en-US" dirty="0"/>
-          </a:p>
-        </p:txBody>
-      </p:sp>
-      <p:sp>
-        <p:nvSpPr>
-          <p:cNvPr id="3" name="內容版面配置區 2"/>
-          <p:cNvSpPr>
-            <a:spLocks noGrp="1"/>
-          </p:cNvSpPr>
-          <p:nvPr>
-            <p:ph type="body" sz="quarter" idx="13"/>
-          </p:nvPr>
-        </p:nvSpPr>
-        <p:spPr/>
-        <p:txBody>
-          <a:bodyPr/>
-          <a:lstStyle/>
-          <a:p>
-            <a:r>
               <a:rPr lang="zh-TW" altLang="en-US" dirty="0"/>
               <a:t>建立一個可以發送檔案的</a:t>
             </a:r>
@@ -8509,7 +8817,7 @@
 </p:sld>
 </file>
 
-<file path=ppt/slides/slide4.xml><?xml version="1.0" encoding="utf-8"?>
+<file path=ppt/slides/slide3.xml><?xml version="1.0" encoding="utf-8"?>
 <p:sld xmlns:a="http://schemas.openxmlformats.org/drawingml/2006/main" xmlns:r="http://schemas.openxmlformats.org/officeDocument/2006/relationships" xmlns:p="http://schemas.openxmlformats.org/presentationml/2006/main">
   <p:cSld>
     <p:spTree>
@@ -8610,7 +8918,7 @@
 </p:sld>
 </file>
 
-<file path=ppt/slides/slide5.xml><?xml version="1.0" encoding="utf-8"?>
+<file path=ppt/slides/slide4.xml><?xml version="1.0" encoding="utf-8"?>
 <p:sld xmlns:a="http://schemas.openxmlformats.org/drawingml/2006/main" xmlns:r="http://schemas.openxmlformats.org/officeDocument/2006/relationships" xmlns:p="http://schemas.openxmlformats.org/presentationml/2006/main">
   <p:cSld>
     <p:spTree>
@@ -8832,7 +9140,7 @@
 </p:sld>
 </file>
 
-<file path=ppt/slides/slide6.xml><?xml version="1.0" encoding="utf-8"?>
+<file path=ppt/slides/slide5.xml><?xml version="1.0" encoding="utf-8"?>
 <p:sld xmlns:a="http://schemas.openxmlformats.org/drawingml/2006/main" xmlns:r="http://schemas.openxmlformats.org/officeDocument/2006/relationships" xmlns:p="http://schemas.openxmlformats.org/presentationml/2006/main">
   <p:cSld>
     <p:spTree>
@@ -8993,7 +9301,7 @@
 </p:sld>
 </file>
 
-<file path=ppt/slides/slide7.xml><?xml version="1.0" encoding="utf-8"?>
+<file path=ppt/slides/slide6.xml><?xml version="1.0" encoding="utf-8"?>
 <p:sld xmlns:a="http://schemas.openxmlformats.org/drawingml/2006/main" xmlns:r="http://schemas.openxmlformats.org/officeDocument/2006/relationships" xmlns:p="http://schemas.openxmlformats.org/presentationml/2006/main">
   <p:cSld>
     <p:spTree>
@@ -9144,7 +9452,7 @@
 </p:sld>
 </file>
 
-<file path=ppt/slides/slide8.xml><?xml version="1.0" encoding="utf-8"?>
+<file path=ppt/slides/slide7.xml><?xml version="1.0" encoding="utf-8"?>
 <p:sld xmlns:a="http://schemas.openxmlformats.org/drawingml/2006/main" xmlns:r="http://schemas.openxmlformats.org/officeDocument/2006/relationships" xmlns:p="http://schemas.openxmlformats.org/presentationml/2006/main">
   <p:cSld>
     <p:spTree>
@@ -9286,7 +9594,7 @@
 </p:sld>
 </file>
 
-<file path=ppt/slides/slide9.xml><?xml version="1.0" encoding="utf-8"?>
+<file path=ppt/slides/slide8.xml><?xml version="1.0" encoding="utf-8"?>
 <p:sld xmlns:a="http://schemas.openxmlformats.org/drawingml/2006/main" xmlns:r="http://schemas.openxmlformats.org/officeDocument/2006/relationships" xmlns:p="http://schemas.openxmlformats.org/presentationml/2006/main">
   <p:cSld>
     <p:spTree>
@@ -9480,6 +9788,198 @@
     <p:extLst>
       <p:ext uri="{BB962C8B-B14F-4D97-AF65-F5344CB8AC3E}">
         <p14:creationId xmlns:p14="http://schemas.microsoft.com/office/powerpoint/2010/main" val="3202463891"/>
+      </p:ext>
+    </p:extLst>
+  </p:cSld>
+  <p:clrMapOvr>
+    <a:masterClrMapping/>
+  </p:clrMapOvr>
+</p:sld>
+</file>
+
+<file path=ppt/slides/slide9.xml><?xml version="1.0" encoding="utf-8"?>
+<p:sld xmlns:a="http://schemas.openxmlformats.org/drawingml/2006/main" xmlns:r="http://schemas.openxmlformats.org/officeDocument/2006/relationships" xmlns:p="http://schemas.openxmlformats.org/presentationml/2006/main">
+  <p:cSld>
+    <p:spTree>
+      <p:nvGrpSpPr>
+        <p:cNvPr id="1" name=""/>
+        <p:cNvGrpSpPr/>
+        <p:nvPr/>
+      </p:nvGrpSpPr>
+      <p:grpSpPr>
+        <a:xfrm>
+          <a:off x="0" y="0"/>
+          <a:ext cx="0" cy="0"/>
+          <a:chOff x="0" y="0"/>
+          <a:chExt cx="0" cy="0"/>
+        </a:xfrm>
+      </p:grpSpPr>
+      <p:sp>
+        <p:nvSpPr>
+          <p:cNvPr id="2" name="標題 1"/>
+          <p:cNvSpPr>
+            <a:spLocks noGrp="1"/>
+          </p:cNvSpPr>
+          <p:nvPr>
+            <p:ph type="title"/>
+          </p:nvPr>
+        </p:nvSpPr>
+        <p:spPr/>
+        <p:txBody>
+          <a:bodyPr/>
+          <a:lstStyle/>
+          <a:p>
+            <a:r>
+              <a:rPr lang="en-US" altLang="zh-TW" dirty="0"/>
+              <a:t>Multicast server side socket programming</a:t>
+            </a:r>
+            <a:endParaRPr lang="zh-TW" altLang="en-US" dirty="0"/>
+          </a:p>
+        </p:txBody>
+      </p:sp>
+      <p:sp>
+        <p:nvSpPr>
+          <p:cNvPr id="3" name="內容版面配置區 2"/>
+          <p:cNvSpPr>
+            <a:spLocks noGrp="1"/>
+          </p:cNvSpPr>
+          <p:nvPr>
+            <p:ph type="body" sz="quarter" idx="13"/>
+          </p:nvPr>
+        </p:nvSpPr>
+        <p:spPr/>
+        <p:txBody>
+          <a:bodyPr>
+            <a:normAutofit/>
+          </a:bodyPr>
+          <a:lstStyle/>
+          <a:p>
+            <a:r>
+              <a:rPr lang="zh-TW" altLang="en-US" dirty="0">
+                <a:ea typeface="微軟正黑體" panose="020B0604030504040204" pitchFamily="34" charset="-120"/>
+              </a:rPr>
+              <a:t>建</a:t>
+            </a:r>
+            <a:r>
+              <a:rPr lang="en-US" altLang="zh-TW" dirty="0">
+                <a:ea typeface="微軟正黑體" panose="020B0604030504040204" pitchFamily="34" charset="-120"/>
+              </a:rPr>
+              <a:t>socket</a:t>
+            </a:r>
+          </a:p>
+          <a:p>
+            <a:r>
+              <a:rPr lang="zh-TW" altLang="en-US" dirty="0">
+                <a:ea typeface="微軟正黑體" panose="020B0604030504040204" pitchFamily="34" charset="-120"/>
+              </a:rPr>
+              <a:t>建</a:t>
+            </a:r>
+            <a:r>
+              <a:rPr lang="en-US" altLang="zh-TW" dirty="0">
+                <a:ea typeface="微軟正黑體" panose="020B0604030504040204" pitchFamily="34" charset="-120"/>
+              </a:rPr>
+              <a:t>destination group </a:t>
+            </a:r>
+            <a:r>
+              <a:rPr lang="en-US" altLang="zh-TW" dirty="0" err="1">
+                <a:ea typeface="微軟正黑體" panose="020B0604030504040204" pitchFamily="34" charset="-120"/>
+              </a:rPr>
+              <a:t>ip</a:t>
+            </a:r>
+            <a:r>
+              <a:rPr lang="en-US" altLang="zh-TW" dirty="0">
+                <a:ea typeface="微軟正黑體" panose="020B0604030504040204" pitchFamily="34" charset="-120"/>
+              </a:rPr>
+              <a:t> </a:t>
+            </a:r>
+            <a:r>
+              <a:rPr lang="zh-TW" altLang="en-US" dirty="0">
+                <a:ea typeface="微軟正黑體" panose="020B0604030504040204" pitchFamily="34" charset="-120"/>
+              </a:rPr>
+              <a:t>的</a:t>
+            </a:r>
+            <a:r>
+              <a:rPr lang="en-US" altLang="zh-TW" dirty="0">
+                <a:ea typeface="微軟正黑體" panose="020B0604030504040204" pitchFamily="34" charset="-120"/>
+              </a:rPr>
+              <a:t>structure (ex:226.1.1.1)</a:t>
+            </a:r>
+          </a:p>
+          <a:p>
+            <a:r>
+              <a:rPr lang="zh-TW" altLang="en-US" dirty="0">
+                <a:ea typeface="微軟正黑體" panose="020B0604030504040204" pitchFamily="34" charset="-120"/>
+              </a:rPr>
+              <a:t>設定 </a:t>
+            </a:r>
+            <a:r>
+              <a:rPr lang="en-US" altLang="zh-TW" dirty="0">
+                <a:ea typeface="微軟正黑體" panose="020B0604030504040204" pitchFamily="34" charset="-120"/>
+              </a:rPr>
+              <a:t>socket </a:t>
+            </a:r>
+            <a:r>
+              <a:rPr lang="zh-TW" altLang="en-US" dirty="0">
+                <a:ea typeface="微軟正黑體" panose="020B0604030504040204" pitchFamily="34" charset="-120"/>
+              </a:rPr>
+              <a:t>為 </a:t>
+            </a:r>
+            <a:r>
+              <a:rPr lang="en-US" altLang="zh-TW" dirty="0">
+                <a:ea typeface="微軟正黑體" panose="020B0604030504040204" pitchFamily="34" charset="-120"/>
+              </a:rPr>
+              <a:t>multicast </a:t>
+            </a:r>
+          </a:p>
+          <a:p>
+            <a:r>
+              <a:rPr lang="zh-TW" altLang="en-US" dirty="0">
+                <a:ea typeface="微軟正黑體" panose="020B0604030504040204" pitchFamily="34" charset="-120"/>
+              </a:rPr>
+              <a:t>設定要不要給</a:t>
+            </a:r>
+            <a:r>
+              <a:rPr lang="en-US" altLang="zh-TW" dirty="0">
+                <a:ea typeface="微軟正黑體" panose="020B0604030504040204" pitchFamily="34" charset="-120"/>
+              </a:rPr>
+              <a:t>local</a:t>
+            </a:r>
+            <a:r>
+              <a:rPr lang="zh-TW" altLang="en-US" dirty="0">
+                <a:ea typeface="微軟正黑體" panose="020B0604030504040204" pitchFamily="34" charset="-120"/>
+              </a:rPr>
+              <a:t>的群組也丟一包</a:t>
+            </a:r>
+            <a:r>
+              <a:rPr lang="en-US" altLang="zh-TW" dirty="0">
+                <a:ea typeface="微軟正黑體" panose="020B0604030504040204" pitchFamily="34" charset="-120"/>
+              </a:rPr>
+              <a:t>datagram</a:t>
+            </a:r>
+          </a:p>
+          <a:p>
+            <a:r>
+              <a:rPr lang="zh-TW" altLang="en-US" dirty="0">
+                <a:ea typeface="微軟正黑體" panose="020B0604030504040204" pitchFamily="34" charset="-120"/>
+              </a:rPr>
+              <a:t>送出</a:t>
+            </a:r>
+            <a:endParaRPr lang="en-US" altLang="zh-TW" dirty="0">
+              <a:ea typeface="微軟正黑體" panose="020B0604030504040204" pitchFamily="34" charset="-120"/>
+            </a:endParaRPr>
+          </a:p>
+          <a:p>
+            <a:endParaRPr lang="en-US" altLang="zh-TW" dirty="0"/>
+          </a:p>
+          <a:p>
+            <a:endParaRPr lang="zh-TW" altLang="en-US" dirty="0"/>
+          </a:p>
+        </p:txBody>
+      </p:sp>
+    </p:spTree>
+    <p:extLst>
+      <p:ext uri="{BB962C8B-B14F-4D97-AF65-F5344CB8AC3E}">
+        <p14:creationId xmlns:p14="http://schemas.microsoft.com/office/powerpoint/2010/main" val="4146827631"/>
       </p:ext>
     </p:extLst>
   </p:cSld>
